--- a/slides/2017-12-05-Error-Handlers-Reading.pptx
+++ b/slides/2017-12-05-Error-Handlers-Reading.pptx
@@ -2,19 +2,21 @@
 <file path=ppt/presentation.xml><?xml version="1.0" encoding="utf-8"?>
 <p:presentation xmlns:a="http://schemas.openxmlformats.org/drawingml/2006/main" xmlns:r="http://schemas.openxmlformats.org/officeDocument/2006/relationships" xmlns:p="http://schemas.openxmlformats.org/presentationml/2006/main" saveSubsetFonts="1" autoCompressPictures="0">
   <p:sldMasterIdLst>
-    <p:sldMasterId id="2147483648" r:id="rId1"/>
+    <p:sldMasterId id="2147483660" r:id="rId1"/>
+    <p:sldMasterId id="2147483672" r:id="rId2"/>
   </p:sldMasterIdLst>
   <p:notesMasterIdLst>
-    <p:notesMasterId r:id="rId9"/>
+    <p:notesMasterId r:id="rId11"/>
   </p:notesMasterIdLst>
   <p:sldIdLst>
-    <p:sldId id="256" r:id="rId2"/>
-    <p:sldId id="257" r:id="rId3"/>
-    <p:sldId id="258" r:id="rId4"/>
-    <p:sldId id="259" r:id="rId5"/>
-    <p:sldId id="262" r:id="rId6"/>
-    <p:sldId id="260" r:id="rId7"/>
-    <p:sldId id="261" r:id="rId8"/>
+    <p:sldId id="256" r:id="rId3"/>
+    <p:sldId id="257" r:id="rId4"/>
+    <p:sldId id="258" r:id="rId5"/>
+    <p:sldId id="259" r:id="rId6"/>
+    <p:sldId id="262" r:id="rId7"/>
+    <p:sldId id="264" r:id="rId8"/>
+    <p:sldId id="263" r:id="rId9"/>
+    <p:sldId id="261" r:id="rId10"/>
   </p:sldIdLst>
   <p:sldSz cx="12192000" cy="6858000"/>
   <p:notesSz cx="6858000" cy="9144000"/>
@@ -203,7 +205,7 @@
           <a:p>
             <a:fld id="{D3EB7DD5-7554-F944-B539-7CAE85FFBC43}" type="datetimeFigureOut">
               <a:rPr lang="en-US" smtClean="0"/>
-              <a:t>11/28/17</a:t>
+              <a:t>12/5/17</a:t>
             </a:fld>
             <a:endParaRPr lang="en-US"/>
           </a:p>
@@ -516,7 +518,7 @@
               <a:rPr lang="en-US" smtClean="0"/>
               <a:t>Click to edit Master title style</a:t>
             </a:r>
-            <a:endParaRPr lang="en-US"/>
+            <a:endParaRPr lang="en-US" dirty="0"/>
           </a:p>
         </p:txBody>
       </p:sp>
@@ -581,7 +583,7 @@
               <a:rPr lang="en-US" smtClean="0"/>
               <a:t>Click to edit Master subtitle style</a:t>
             </a:r>
-            <a:endParaRPr lang="en-US"/>
+            <a:endParaRPr lang="en-US" dirty="0"/>
           </a:p>
         </p:txBody>
       </p:sp>
@@ -602,7 +604,7 @@
           <a:p>
             <a:fld id="{9A76E284-8BEB-CB4B-8DE1-A2CBA4136BE7}" type="datetimeFigureOut">
               <a:rPr lang="en-US" smtClean="0"/>
-              <a:t>11/28/17</a:t>
+              <a:t>12/5/17</a:t>
             </a:fld>
             <a:endParaRPr lang="en-US"/>
           </a:p>
@@ -651,11 +653,6 @@
         </p:txBody>
       </p:sp>
     </p:spTree>
-    <p:extLst>
-      <p:ext uri="{BB962C8B-B14F-4D97-AF65-F5344CB8AC3E}">
-        <p14:creationId xmlns:p14="http://schemas.microsoft.com/office/powerpoint/2010/main" val="599606380"/>
-      </p:ext>
-    </p:extLst>
   </p:cSld>
   <p:clrMapOvr>
     <a:masterClrMapping/>
@@ -699,7 +696,7 @@
               <a:rPr lang="en-US" smtClean="0"/>
               <a:t>Click to edit Master title style</a:t>
             </a:r>
-            <a:endParaRPr lang="en-US"/>
+            <a:endParaRPr lang="en-US" dirty="0"/>
           </a:p>
         </p:txBody>
       </p:sp>
@@ -751,7 +748,7 @@
               <a:rPr lang="en-US" smtClean="0"/>
               <a:t>Fifth level</a:t>
             </a:r>
-            <a:endParaRPr lang="en-US"/>
+            <a:endParaRPr lang="en-US" dirty="0"/>
           </a:p>
         </p:txBody>
       </p:sp>
@@ -772,7 +769,7 @@
           <a:p>
             <a:fld id="{9A76E284-8BEB-CB4B-8DE1-A2CBA4136BE7}" type="datetimeFigureOut">
               <a:rPr lang="en-US" smtClean="0"/>
-              <a:t>11/28/17</a:t>
+              <a:t>12/5/17</a:t>
             </a:fld>
             <a:endParaRPr lang="en-US"/>
           </a:p>
@@ -821,11 +818,6 @@
         </p:txBody>
       </p:sp>
     </p:spTree>
-    <p:extLst>
-      <p:ext uri="{BB962C8B-B14F-4D97-AF65-F5344CB8AC3E}">
-        <p14:creationId xmlns:p14="http://schemas.microsoft.com/office/powerpoint/2010/main" val="1826868414"/>
-      </p:ext>
-    </p:extLst>
   </p:cSld>
   <p:clrMapOvr>
     <a:masterClrMapping/>
@@ -874,7 +866,7 @@
               <a:rPr lang="en-US" smtClean="0"/>
               <a:t>Click to edit Master title style</a:t>
             </a:r>
-            <a:endParaRPr lang="en-US"/>
+            <a:endParaRPr lang="en-US" dirty="0"/>
           </a:p>
         </p:txBody>
       </p:sp>
@@ -931,7 +923,7 @@
               <a:rPr lang="en-US" smtClean="0"/>
               <a:t>Fifth level</a:t>
             </a:r>
-            <a:endParaRPr lang="en-US"/>
+            <a:endParaRPr lang="en-US" dirty="0"/>
           </a:p>
         </p:txBody>
       </p:sp>
@@ -952,7 +944,7 @@
           <a:p>
             <a:fld id="{9A76E284-8BEB-CB4B-8DE1-A2CBA4136BE7}" type="datetimeFigureOut">
               <a:rPr lang="en-US" smtClean="0"/>
-              <a:t>11/28/17</a:t>
+              <a:t>12/5/17</a:t>
             </a:fld>
             <a:endParaRPr lang="en-US"/>
           </a:p>
@@ -1001,11 +993,6 @@
         </p:txBody>
       </p:sp>
     </p:spTree>
-    <p:extLst>
-      <p:ext uri="{BB962C8B-B14F-4D97-AF65-F5344CB8AC3E}">
-        <p14:creationId xmlns:p14="http://schemas.microsoft.com/office/powerpoint/2010/main" val="1603732939"/>
-      </p:ext>
-    </p:extLst>
   </p:cSld>
   <p:clrMapOvr>
     <a:masterClrMapping/>
@@ -1013,7 +1000,194 @@
 </p:sldLayout>
 </file>
 
-<file path=ppt/slideLayouts/slideLayout2.xml><?xml version="1.0" encoding="utf-8"?>
+<file path=ppt/slideLayouts/slideLayout12.xml><?xml version="1.0" encoding="utf-8"?>
+<p:sldLayout xmlns:a="http://schemas.openxmlformats.org/drawingml/2006/main" xmlns:r="http://schemas.openxmlformats.org/officeDocument/2006/relationships" xmlns:p="http://schemas.openxmlformats.org/presentationml/2006/main" type="title" preserve="1">
+  <p:cSld name="Title Slide">
+    <p:spTree>
+      <p:nvGrpSpPr>
+        <p:cNvPr id="1" name=""/>
+        <p:cNvGrpSpPr/>
+        <p:nvPr/>
+      </p:nvGrpSpPr>
+      <p:grpSpPr>
+        <a:xfrm>
+          <a:off x="0" y="0"/>
+          <a:ext cx="0" cy="0"/>
+          <a:chOff x="0" y="0"/>
+          <a:chExt cx="0" cy="0"/>
+        </a:xfrm>
+      </p:grpSpPr>
+      <p:sp>
+        <p:nvSpPr>
+          <p:cNvPr id="2" name="Title 1"/>
+          <p:cNvSpPr>
+            <a:spLocks noGrp="1"/>
+          </p:cNvSpPr>
+          <p:nvPr>
+            <p:ph type="ctrTitle"/>
+          </p:nvPr>
+        </p:nvSpPr>
+        <p:spPr>
+          <a:xfrm>
+            <a:off x="1524000" y="1122363"/>
+            <a:ext cx="9144000" cy="2387600"/>
+          </a:xfrm>
+        </p:spPr>
+        <p:txBody>
+          <a:bodyPr anchor="b"/>
+          <a:lstStyle>
+            <a:lvl1pPr algn="ctr">
+              <a:defRPr sz="6000"/>
+            </a:lvl1pPr>
+          </a:lstStyle>
+          <a:p>
+            <a:r>
+              <a:rPr lang="en-US" smtClean="0"/>
+              <a:t>Click to edit Master title style</a:t>
+            </a:r>
+            <a:endParaRPr lang="en-US" dirty="0"/>
+          </a:p>
+        </p:txBody>
+      </p:sp>
+      <p:sp>
+        <p:nvSpPr>
+          <p:cNvPr id="3" name="Subtitle 2"/>
+          <p:cNvSpPr>
+            <a:spLocks noGrp="1"/>
+          </p:cNvSpPr>
+          <p:nvPr>
+            <p:ph type="subTitle" idx="1"/>
+          </p:nvPr>
+        </p:nvSpPr>
+        <p:spPr>
+          <a:xfrm>
+            <a:off x="1524000" y="3602038"/>
+            <a:ext cx="9144000" cy="1655762"/>
+          </a:xfrm>
+        </p:spPr>
+        <p:txBody>
+          <a:bodyPr/>
+          <a:lstStyle>
+            <a:lvl1pPr marL="0" indent="0" algn="ctr">
+              <a:buNone/>
+              <a:defRPr sz="2400"/>
+            </a:lvl1pPr>
+            <a:lvl2pPr marL="457200" indent="0" algn="ctr">
+              <a:buNone/>
+              <a:defRPr sz="2000"/>
+            </a:lvl2pPr>
+            <a:lvl3pPr marL="914400" indent="0" algn="ctr">
+              <a:buNone/>
+              <a:defRPr sz="1800"/>
+            </a:lvl3pPr>
+            <a:lvl4pPr marL="1371600" indent="0" algn="ctr">
+              <a:buNone/>
+              <a:defRPr sz="1600"/>
+            </a:lvl4pPr>
+            <a:lvl5pPr marL="1828800" indent="0" algn="ctr">
+              <a:buNone/>
+              <a:defRPr sz="1600"/>
+            </a:lvl5pPr>
+            <a:lvl6pPr marL="2286000" indent="0" algn="ctr">
+              <a:buNone/>
+              <a:defRPr sz="1600"/>
+            </a:lvl6pPr>
+            <a:lvl7pPr marL="2743200" indent="0" algn="ctr">
+              <a:buNone/>
+              <a:defRPr sz="1600"/>
+            </a:lvl7pPr>
+            <a:lvl8pPr marL="3200400" indent="0" algn="ctr">
+              <a:buNone/>
+              <a:defRPr sz="1600"/>
+            </a:lvl8pPr>
+            <a:lvl9pPr marL="3657600" indent="0" algn="ctr">
+              <a:buNone/>
+              <a:defRPr sz="1600"/>
+            </a:lvl9pPr>
+          </a:lstStyle>
+          <a:p>
+            <a:r>
+              <a:rPr lang="en-US" smtClean="0"/>
+              <a:t>Click to edit Master subtitle style</a:t>
+            </a:r>
+            <a:endParaRPr lang="en-US" dirty="0"/>
+          </a:p>
+        </p:txBody>
+      </p:sp>
+      <p:sp>
+        <p:nvSpPr>
+          <p:cNvPr id="4" name="Date Placeholder 3"/>
+          <p:cNvSpPr>
+            <a:spLocks noGrp="1"/>
+          </p:cNvSpPr>
+          <p:nvPr>
+            <p:ph type="dt" sz="half" idx="10"/>
+          </p:nvPr>
+        </p:nvSpPr>
+        <p:spPr/>
+        <p:txBody>
+          <a:bodyPr/>
+          <a:lstStyle/>
+          <a:p>
+            <a:fld id="{9A76E284-8BEB-CB4B-8DE1-A2CBA4136BE7}" type="datetimeFigureOut">
+              <a:rPr lang="en-US" smtClean="0"/>
+              <a:t>12/5/17</a:t>
+            </a:fld>
+            <a:endParaRPr lang="en-US"/>
+          </a:p>
+        </p:txBody>
+      </p:sp>
+      <p:sp>
+        <p:nvSpPr>
+          <p:cNvPr id="5" name="Footer Placeholder 4"/>
+          <p:cNvSpPr>
+            <a:spLocks noGrp="1"/>
+          </p:cNvSpPr>
+          <p:nvPr>
+            <p:ph type="ftr" sz="quarter" idx="11"/>
+          </p:nvPr>
+        </p:nvSpPr>
+        <p:spPr/>
+        <p:txBody>
+          <a:bodyPr/>
+          <a:lstStyle/>
+          <a:p>
+            <a:endParaRPr lang="en-US"/>
+          </a:p>
+        </p:txBody>
+      </p:sp>
+      <p:sp>
+        <p:nvSpPr>
+          <p:cNvPr id="6" name="Slide Number Placeholder 5"/>
+          <p:cNvSpPr>
+            <a:spLocks noGrp="1"/>
+          </p:cNvSpPr>
+          <p:nvPr>
+            <p:ph type="sldNum" sz="quarter" idx="12"/>
+          </p:nvPr>
+        </p:nvSpPr>
+        <p:spPr/>
+        <p:txBody>
+          <a:bodyPr/>
+          <a:lstStyle/>
+          <a:p>
+            <a:fld id="{16DBCD85-F2E2-B44B-8854-2F823B052582}" type="slidenum">
+              <a:rPr lang="en-US" smtClean="0"/>
+              <a:t>‹#›</a:t>
+            </a:fld>
+            <a:endParaRPr lang="en-US"/>
+          </a:p>
+        </p:txBody>
+      </p:sp>
+    </p:spTree>
+  </p:cSld>
+  <p:clrMapOvr>
+    <a:masterClrMapping/>
+  </p:clrMapOvr>
+</p:sldLayout>
+</file>
+
+<file path=ppt/slideLayouts/slideLayout13.xml><?xml version="1.0" encoding="utf-8"?>
 <p:sldLayout xmlns:a="http://schemas.openxmlformats.org/drawingml/2006/main" xmlns:r="http://schemas.openxmlformats.org/officeDocument/2006/relationships" xmlns:p="http://schemas.openxmlformats.org/presentationml/2006/main" type="obj" preserve="1">
   <p:cSld name="Title and Content">
     <p:spTree>
@@ -1049,7 +1223,7 @@
               <a:rPr lang="en-US" smtClean="0"/>
               <a:t>Click to edit Master title style</a:t>
             </a:r>
-            <a:endParaRPr lang="en-US"/>
+            <a:endParaRPr lang="en-US" dirty="0"/>
           </a:p>
         </p:txBody>
       </p:sp>
@@ -1101,7 +1275,7 @@
               <a:rPr lang="en-US" smtClean="0"/>
               <a:t>Fifth level</a:t>
             </a:r>
-            <a:endParaRPr lang="en-US"/>
+            <a:endParaRPr lang="en-US" dirty="0"/>
           </a:p>
         </p:txBody>
       </p:sp>
@@ -1122,7 +1296,7 @@
           <a:p>
             <a:fld id="{9A76E284-8BEB-CB4B-8DE1-A2CBA4136BE7}" type="datetimeFigureOut">
               <a:rPr lang="en-US" smtClean="0"/>
-              <a:t>11/28/17</a:t>
+              <a:t>12/5/17</a:t>
             </a:fld>
             <a:endParaRPr lang="en-US"/>
           </a:p>
@@ -1171,11 +1345,6 @@
         </p:txBody>
       </p:sp>
     </p:spTree>
-    <p:extLst>
-      <p:ext uri="{BB962C8B-B14F-4D97-AF65-F5344CB8AC3E}">
-        <p14:creationId xmlns:p14="http://schemas.microsoft.com/office/powerpoint/2010/main" val="1591156936"/>
-      </p:ext>
-    </p:extLst>
   </p:cSld>
   <p:clrMapOvr>
     <a:masterClrMapping/>
@@ -1183,7 +1352,7 @@
 </p:sldLayout>
 </file>
 
-<file path=ppt/slideLayouts/slideLayout3.xml><?xml version="1.0" encoding="utf-8"?>
+<file path=ppt/slideLayouts/slideLayout14.xml><?xml version="1.0" encoding="utf-8"?>
 <p:sldLayout xmlns:a="http://schemas.openxmlformats.org/drawingml/2006/main" xmlns:r="http://schemas.openxmlformats.org/officeDocument/2006/relationships" xmlns:p="http://schemas.openxmlformats.org/presentationml/2006/main" type="secHead" preserve="1">
   <p:cSld name="Section Header">
     <p:spTree>
@@ -1228,7 +1397,7 @@
               <a:rPr lang="en-US" smtClean="0"/>
               <a:t>Click to edit Master title style</a:t>
             </a:r>
-            <a:endParaRPr lang="en-US"/>
+            <a:endParaRPr lang="en-US" dirty="0"/>
           </a:p>
         </p:txBody>
       </p:sp>
@@ -1368,7 +1537,7 @@
           <a:p>
             <a:fld id="{9A76E284-8BEB-CB4B-8DE1-A2CBA4136BE7}" type="datetimeFigureOut">
               <a:rPr lang="en-US" smtClean="0"/>
-              <a:t>11/28/17</a:t>
+              <a:t>12/5/17</a:t>
             </a:fld>
             <a:endParaRPr lang="en-US"/>
           </a:p>
@@ -1417,11 +1586,6 @@
         </p:txBody>
       </p:sp>
     </p:spTree>
-    <p:extLst>
-      <p:ext uri="{BB962C8B-B14F-4D97-AF65-F5344CB8AC3E}">
-        <p14:creationId xmlns:p14="http://schemas.microsoft.com/office/powerpoint/2010/main" val="2108250908"/>
-      </p:ext>
-    </p:extLst>
   </p:cSld>
   <p:clrMapOvr>
     <a:masterClrMapping/>
@@ -1429,7 +1593,7 @@
 </p:sldLayout>
 </file>
 
-<file path=ppt/slideLayouts/slideLayout4.xml><?xml version="1.0" encoding="utf-8"?>
+<file path=ppt/slideLayouts/slideLayout15.xml><?xml version="1.0" encoding="utf-8"?>
 <p:sldLayout xmlns:a="http://schemas.openxmlformats.org/drawingml/2006/main" xmlns:r="http://schemas.openxmlformats.org/officeDocument/2006/relationships" xmlns:p="http://schemas.openxmlformats.org/presentationml/2006/main" type="twoObj" preserve="1">
   <p:cSld name="Two Content">
     <p:spTree>
@@ -1465,7 +1629,7 @@
               <a:rPr lang="en-US" smtClean="0"/>
               <a:t>Click to edit Master title style</a:t>
             </a:r>
-            <a:endParaRPr lang="en-US"/>
+            <a:endParaRPr lang="en-US" dirty="0"/>
           </a:p>
         </p:txBody>
       </p:sp>
@@ -1522,7 +1686,7 @@
               <a:rPr lang="en-US" smtClean="0"/>
               <a:t>Fifth level</a:t>
             </a:r>
-            <a:endParaRPr lang="en-US"/>
+            <a:endParaRPr lang="en-US" dirty="0"/>
           </a:p>
         </p:txBody>
       </p:sp>
@@ -1579,7 +1743,7 @@
               <a:rPr lang="en-US" smtClean="0"/>
               <a:t>Fifth level</a:t>
             </a:r>
-            <a:endParaRPr lang="en-US"/>
+            <a:endParaRPr lang="en-US" dirty="0"/>
           </a:p>
         </p:txBody>
       </p:sp>
@@ -1600,7 +1764,7 @@
           <a:p>
             <a:fld id="{9A76E284-8BEB-CB4B-8DE1-A2CBA4136BE7}" type="datetimeFigureOut">
               <a:rPr lang="en-US" smtClean="0"/>
-              <a:t>11/28/17</a:t>
+              <a:t>12/5/17</a:t>
             </a:fld>
             <a:endParaRPr lang="en-US"/>
           </a:p>
@@ -1649,11 +1813,6 @@
         </p:txBody>
       </p:sp>
     </p:spTree>
-    <p:extLst>
-      <p:ext uri="{BB962C8B-B14F-4D97-AF65-F5344CB8AC3E}">
-        <p14:creationId xmlns:p14="http://schemas.microsoft.com/office/powerpoint/2010/main" val="2040318903"/>
-      </p:ext>
-    </p:extLst>
   </p:cSld>
   <p:clrMapOvr>
     <a:masterClrMapping/>
@@ -1661,7 +1820,7 @@
 </p:sldLayout>
 </file>
 
-<file path=ppt/slideLayouts/slideLayout5.xml><?xml version="1.0" encoding="utf-8"?>
+<file path=ppt/slideLayouts/slideLayout16.xml><?xml version="1.0" encoding="utf-8"?>
 <p:sldLayout xmlns:a="http://schemas.openxmlformats.org/drawingml/2006/main" xmlns:r="http://schemas.openxmlformats.org/officeDocument/2006/relationships" xmlns:p="http://schemas.openxmlformats.org/presentationml/2006/main" type="twoTxTwoObj" preserve="1">
   <p:cSld name="Comparison">
     <p:spTree>
@@ -1702,7 +1861,7 @@
               <a:rPr lang="en-US" smtClean="0"/>
               <a:t>Click to edit Master title style</a:t>
             </a:r>
-            <a:endParaRPr lang="en-US"/>
+            <a:endParaRPr lang="en-US" dirty="0"/>
           </a:p>
         </p:txBody>
       </p:sp>
@@ -1824,7 +1983,7 @@
               <a:rPr lang="en-US" smtClean="0"/>
               <a:t>Fifth level</a:t>
             </a:r>
-            <a:endParaRPr lang="en-US"/>
+            <a:endParaRPr lang="en-US" dirty="0"/>
           </a:p>
         </p:txBody>
       </p:sp>
@@ -1946,7 +2105,7 @@
               <a:rPr lang="en-US" smtClean="0"/>
               <a:t>Fifth level</a:t>
             </a:r>
-            <a:endParaRPr lang="en-US"/>
+            <a:endParaRPr lang="en-US" dirty="0"/>
           </a:p>
         </p:txBody>
       </p:sp>
@@ -1967,7 +2126,7 @@
           <a:p>
             <a:fld id="{9A76E284-8BEB-CB4B-8DE1-A2CBA4136BE7}" type="datetimeFigureOut">
               <a:rPr lang="en-US" smtClean="0"/>
-              <a:t>11/28/17</a:t>
+              <a:t>12/5/17</a:t>
             </a:fld>
             <a:endParaRPr lang="en-US"/>
           </a:p>
@@ -2016,11 +2175,6 @@
         </p:txBody>
       </p:sp>
     </p:spTree>
-    <p:extLst>
-      <p:ext uri="{BB962C8B-B14F-4D97-AF65-F5344CB8AC3E}">
-        <p14:creationId xmlns:p14="http://schemas.microsoft.com/office/powerpoint/2010/main" val="620927425"/>
-      </p:ext>
-    </p:extLst>
   </p:cSld>
   <p:clrMapOvr>
     <a:masterClrMapping/>
@@ -2028,7 +2182,7 @@
 </p:sldLayout>
 </file>
 
-<file path=ppt/slideLayouts/slideLayout6.xml><?xml version="1.0" encoding="utf-8"?>
+<file path=ppt/slideLayouts/slideLayout17.xml><?xml version="1.0" encoding="utf-8"?>
 <p:sldLayout xmlns:a="http://schemas.openxmlformats.org/drawingml/2006/main" xmlns:r="http://schemas.openxmlformats.org/officeDocument/2006/relationships" xmlns:p="http://schemas.openxmlformats.org/presentationml/2006/main" type="titleOnly" preserve="1">
   <p:cSld name="Title Only">
     <p:spTree>
@@ -2064,7 +2218,7 @@
               <a:rPr lang="en-US" smtClean="0"/>
               <a:t>Click to edit Master title style</a:t>
             </a:r>
-            <a:endParaRPr lang="en-US"/>
+            <a:endParaRPr lang="en-US" dirty="0"/>
           </a:p>
         </p:txBody>
       </p:sp>
@@ -2085,7 +2239,7 @@
           <a:p>
             <a:fld id="{9A76E284-8BEB-CB4B-8DE1-A2CBA4136BE7}" type="datetimeFigureOut">
               <a:rPr lang="en-US" smtClean="0"/>
-              <a:t>11/28/17</a:t>
+              <a:t>12/5/17</a:t>
             </a:fld>
             <a:endParaRPr lang="en-US"/>
           </a:p>
@@ -2134,11 +2288,6 @@
         </p:txBody>
       </p:sp>
     </p:spTree>
-    <p:extLst>
-      <p:ext uri="{BB962C8B-B14F-4D97-AF65-F5344CB8AC3E}">
-        <p14:creationId xmlns:p14="http://schemas.microsoft.com/office/powerpoint/2010/main" val="1304191202"/>
-      </p:ext>
-    </p:extLst>
   </p:cSld>
   <p:clrMapOvr>
     <a:masterClrMapping/>
@@ -2146,7 +2295,7 @@
 </p:sldLayout>
 </file>
 
-<file path=ppt/slideLayouts/slideLayout7.xml><?xml version="1.0" encoding="utf-8"?>
+<file path=ppt/slideLayouts/slideLayout18.xml><?xml version="1.0" encoding="utf-8"?>
 <p:sldLayout xmlns:a="http://schemas.openxmlformats.org/drawingml/2006/main" xmlns:r="http://schemas.openxmlformats.org/officeDocument/2006/relationships" xmlns:p="http://schemas.openxmlformats.org/presentationml/2006/main" type="blank" preserve="1">
   <p:cSld name="Blank">
     <p:spTree>
@@ -2180,7 +2329,7 @@
           <a:p>
             <a:fld id="{9A76E284-8BEB-CB4B-8DE1-A2CBA4136BE7}" type="datetimeFigureOut">
               <a:rPr lang="en-US" smtClean="0"/>
-              <a:t>11/28/17</a:t>
+              <a:t>12/5/17</a:t>
             </a:fld>
             <a:endParaRPr lang="en-US"/>
           </a:p>
@@ -2229,11 +2378,6 @@
         </p:txBody>
       </p:sp>
     </p:spTree>
-    <p:extLst>
-      <p:ext uri="{BB962C8B-B14F-4D97-AF65-F5344CB8AC3E}">
-        <p14:creationId xmlns:p14="http://schemas.microsoft.com/office/powerpoint/2010/main" val="175947085"/>
-      </p:ext>
-    </p:extLst>
   </p:cSld>
   <p:clrMapOvr>
     <a:masterClrMapping/>
@@ -2241,7 +2385,7 @@
 </p:sldLayout>
 </file>
 
-<file path=ppt/slideLayouts/slideLayout8.xml><?xml version="1.0" encoding="utf-8"?>
+<file path=ppt/slideLayouts/slideLayout19.xml><?xml version="1.0" encoding="utf-8"?>
 <p:sldLayout xmlns:a="http://schemas.openxmlformats.org/drawingml/2006/main" xmlns:r="http://schemas.openxmlformats.org/officeDocument/2006/relationships" xmlns:p="http://schemas.openxmlformats.org/presentationml/2006/main" type="objTx" preserve="1">
   <p:cSld name="Content with Caption">
     <p:spTree>
@@ -2286,7 +2430,7 @@
               <a:rPr lang="en-US" smtClean="0"/>
               <a:t>Click to edit Master title style</a:t>
             </a:r>
-            <a:endParaRPr lang="en-US"/>
+            <a:endParaRPr lang="en-US" dirty="0"/>
           </a:p>
         </p:txBody>
       </p:sp>
@@ -2371,7 +2515,7 @@
               <a:rPr lang="en-US" smtClean="0"/>
               <a:t>Fifth level</a:t>
             </a:r>
-            <a:endParaRPr lang="en-US"/>
+            <a:endParaRPr lang="en-US" dirty="0"/>
           </a:p>
         </p:txBody>
       </p:sp>
@@ -2457,7 +2601,7 @@
           <a:p>
             <a:fld id="{9A76E284-8BEB-CB4B-8DE1-A2CBA4136BE7}" type="datetimeFigureOut">
               <a:rPr lang="en-US" smtClean="0"/>
-              <a:t>11/28/17</a:t>
+              <a:t>12/5/17</a:t>
             </a:fld>
             <a:endParaRPr lang="en-US"/>
           </a:p>
@@ -2506,11 +2650,2068 @@
         </p:txBody>
       </p:sp>
     </p:spTree>
-    <p:extLst>
-      <p:ext uri="{BB962C8B-B14F-4D97-AF65-F5344CB8AC3E}">
-        <p14:creationId xmlns:p14="http://schemas.microsoft.com/office/powerpoint/2010/main" val="57675676"/>
-      </p:ext>
-    </p:extLst>
+  </p:cSld>
+  <p:clrMapOvr>
+    <a:masterClrMapping/>
+  </p:clrMapOvr>
+</p:sldLayout>
+</file>
+
+<file path=ppt/slideLayouts/slideLayout2.xml><?xml version="1.0" encoding="utf-8"?>
+<p:sldLayout xmlns:a="http://schemas.openxmlformats.org/drawingml/2006/main" xmlns:r="http://schemas.openxmlformats.org/officeDocument/2006/relationships" xmlns:p="http://schemas.openxmlformats.org/presentationml/2006/main" type="obj" preserve="1">
+  <p:cSld name="Title and Content">
+    <p:spTree>
+      <p:nvGrpSpPr>
+        <p:cNvPr id="1" name=""/>
+        <p:cNvGrpSpPr/>
+        <p:nvPr/>
+      </p:nvGrpSpPr>
+      <p:grpSpPr>
+        <a:xfrm>
+          <a:off x="0" y="0"/>
+          <a:ext cx="0" cy="0"/>
+          <a:chOff x="0" y="0"/>
+          <a:chExt cx="0" cy="0"/>
+        </a:xfrm>
+      </p:grpSpPr>
+      <p:sp>
+        <p:nvSpPr>
+          <p:cNvPr id="2" name="Title 1"/>
+          <p:cNvSpPr>
+            <a:spLocks noGrp="1"/>
+          </p:cNvSpPr>
+          <p:nvPr>
+            <p:ph type="title"/>
+          </p:nvPr>
+        </p:nvSpPr>
+        <p:spPr/>
+        <p:txBody>
+          <a:bodyPr/>
+          <a:lstStyle/>
+          <a:p>
+            <a:r>
+              <a:rPr lang="en-US" smtClean="0"/>
+              <a:t>Click to edit Master title style</a:t>
+            </a:r>
+            <a:endParaRPr lang="en-US" dirty="0"/>
+          </a:p>
+        </p:txBody>
+      </p:sp>
+      <p:sp>
+        <p:nvSpPr>
+          <p:cNvPr id="3" name="Content Placeholder 2"/>
+          <p:cNvSpPr>
+            <a:spLocks noGrp="1"/>
+          </p:cNvSpPr>
+          <p:nvPr>
+            <p:ph idx="1"/>
+          </p:nvPr>
+        </p:nvSpPr>
+        <p:spPr/>
+        <p:txBody>
+          <a:bodyPr/>
+          <a:lstStyle/>
+          <a:p>
+            <a:pPr lvl="0"/>
+            <a:r>
+              <a:rPr lang="en-US" smtClean="0"/>
+              <a:t>Click to edit Master text styles</a:t>
+            </a:r>
+          </a:p>
+          <a:p>
+            <a:pPr lvl="1"/>
+            <a:r>
+              <a:rPr lang="en-US" smtClean="0"/>
+              <a:t>Second level</a:t>
+            </a:r>
+          </a:p>
+          <a:p>
+            <a:pPr lvl="2"/>
+            <a:r>
+              <a:rPr lang="en-US" smtClean="0"/>
+              <a:t>Third level</a:t>
+            </a:r>
+          </a:p>
+          <a:p>
+            <a:pPr lvl="3"/>
+            <a:r>
+              <a:rPr lang="en-US" smtClean="0"/>
+              <a:t>Fourth level</a:t>
+            </a:r>
+          </a:p>
+          <a:p>
+            <a:pPr lvl="4"/>
+            <a:r>
+              <a:rPr lang="en-US" smtClean="0"/>
+              <a:t>Fifth level</a:t>
+            </a:r>
+            <a:endParaRPr lang="en-US" dirty="0"/>
+          </a:p>
+        </p:txBody>
+      </p:sp>
+      <p:sp>
+        <p:nvSpPr>
+          <p:cNvPr id="4" name="Date Placeholder 3"/>
+          <p:cNvSpPr>
+            <a:spLocks noGrp="1"/>
+          </p:cNvSpPr>
+          <p:nvPr>
+            <p:ph type="dt" sz="half" idx="10"/>
+          </p:nvPr>
+        </p:nvSpPr>
+        <p:spPr/>
+        <p:txBody>
+          <a:bodyPr/>
+          <a:lstStyle/>
+          <a:p>
+            <a:fld id="{9A76E284-8BEB-CB4B-8DE1-A2CBA4136BE7}" type="datetimeFigureOut">
+              <a:rPr lang="en-US" smtClean="0"/>
+              <a:t>12/5/17</a:t>
+            </a:fld>
+            <a:endParaRPr lang="en-US"/>
+          </a:p>
+        </p:txBody>
+      </p:sp>
+      <p:sp>
+        <p:nvSpPr>
+          <p:cNvPr id="5" name="Footer Placeholder 4"/>
+          <p:cNvSpPr>
+            <a:spLocks noGrp="1"/>
+          </p:cNvSpPr>
+          <p:nvPr>
+            <p:ph type="ftr" sz="quarter" idx="11"/>
+          </p:nvPr>
+        </p:nvSpPr>
+        <p:spPr/>
+        <p:txBody>
+          <a:bodyPr/>
+          <a:lstStyle/>
+          <a:p>
+            <a:endParaRPr lang="en-US"/>
+          </a:p>
+        </p:txBody>
+      </p:sp>
+      <p:sp>
+        <p:nvSpPr>
+          <p:cNvPr id="6" name="Slide Number Placeholder 5"/>
+          <p:cNvSpPr>
+            <a:spLocks noGrp="1"/>
+          </p:cNvSpPr>
+          <p:nvPr>
+            <p:ph type="sldNum" sz="quarter" idx="12"/>
+          </p:nvPr>
+        </p:nvSpPr>
+        <p:spPr/>
+        <p:txBody>
+          <a:bodyPr/>
+          <a:lstStyle/>
+          <a:p>
+            <a:fld id="{16DBCD85-F2E2-B44B-8854-2F823B052582}" type="slidenum">
+              <a:rPr lang="en-US" smtClean="0"/>
+              <a:t>‹#›</a:t>
+            </a:fld>
+            <a:endParaRPr lang="en-US"/>
+          </a:p>
+        </p:txBody>
+      </p:sp>
+    </p:spTree>
+  </p:cSld>
+  <p:clrMapOvr>
+    <a:masterClrMapping/>
+  </p:clrMapOvr>
+</p:sldLayout>
+</file>
+
+<file path=ppt/slideLayouts/slideLayout20.xml><?xml version="1.0" encoding="utf-8"?>
+<p:sldLayout xmlns:a="http://schemas.openxmlformats.org/drawingml/2006/main" xmlns:r="http://schemas.openxmlformats.org/officeDocument/2006/relationships" xmlns:p="http://schemas.openxmlformats.org/presentationml/2006/main" type="picTx" preserve="1">
+  <p:cSld name="Picture with Caption">
+    <p:spTree>
+      <p:nvGrpSpPr>
+        <p:cNvPr id="1" name=""/>
+        <p:cNvGrpSpPr/>
+        <p:nvPr/>
+      </p:nvGrpSpPr>
+      <p:grpSpPr>
+        <a:xfrm>
+          <a:off x="0" y="0"/>
+          <a:ext cx="0" cy="0"/>
+          <a:chOff x="0" y="0"/>
+          <a:chExt cx="0" cy="0"/>
+        </a:xfrm>
+      </p:grpSpPr>
+      <p:sp>
+        <p:nvSpPr>
+          <p:cNvPr id="2" name="Title 1"/>
+          <p:cNvSpPr>
+            <a:spLocks noGrp="1"/>
+          </p:cNvSpPr>
+          <p:nvPr>
+            <p:ph type="title"/>
+          </p:nvPr>
+        </p:nvSpPr>
+        <p:spPr>
+          <a:xfrm>
+            <a:off x="839788" y="457200"/>
+            <a:ext cx="3932237" cy="1600200"/>
+          </a:xfrm>
+        </p:spPr>
+        <p:txBody>
+          <a:bodyPr anchor="b"/>
+          <a:lstStyle>
+            <a:lvl1pPr>
+              <a:defRPr sz="3200"/>
+            </a:lvl1pPr>
+          </a:lstStyle>
+          <a:p>
+            <a:r>
+              <a:rPr lang="en-US" smtClean="0"/>
+              <a:t>Click to edit Master title style</a:t>
+            </a:r>
+            <a:endParaRPr lang="en-US" dirty="0"/>
+          </a:p>
+        </p:txBody>
+      </p:sp>
+      <p:sp>
+        <p:nvSpPr>
+          <p:cNvPr id="3" name="Picture Placeholder 2"/>
+          <p:cNvSpPr>
+            <a:spLocks noGrp="1" noChangeAspect="1"/>
+          </p:cNvSpPr>
+          <p:nvPr>
+            <p:ph type="pic" idx="1"/>
+          </p:nvPr>
+        </p:nvSpPr>
+        <p:spPr>
+          <a:xfrm>
+            <a:off x="5183188" y="987425"/>
+            <a:ext cx="6172200" cy="4873625"/>
+          </a:xfrm>
+        </p:spPr>
+        <p:txBody>
+          <a:bodyPr anchor="t"/>
+          <a:lstStyle>
+            <a:lvl1pPr marL="0" indent="0">
+              <a:buNone/>
+              <a:defRPr sz="3200"/>
+            </a:lvl1pPr>
+            <a:lvl2pPr marL="457200" indent="0">
+              <a:buNone/>
+              <a:defRPr sz="2800"/>
+            </a:lvl2pPr>
+            <a:lvl3pPr marL="914400" indent="0">
+              <a:buNone/>
+              <a:defRPr sz="2400"/>
+            </a:lvl3pPr>
+            <a:lvl4pPr marL="1371600" indent="0">
+              <a:buNone/>
+              <a:defRPr sz="2000"/>
+            </a:lvl4pPr>
+            <a:lvl5pPr marL="1828800" indent="0">
+              <a:buNone/>
+              <a:defRPr sz="2000"/>
+            </a:lvl5pPr>
+            <a:lvl6pPr marL="2286000" indent="0">
+              <a:buNone/>
+              <a:defRPr sz="2000"/>
+            </a:lvl6pPr>
+            <a:lvl7pPr marL="2743200" indent="0">
+              <a:buNone/>
+              <a:defRPr sz="2000"/>
+            </a:lvl7pPr>
+            <a:lvl8pPr marL="3200400" indent="0">
+              <a:buNone/>
+              <a:defRPr sz="2000"/>
+            </a:lvl8pPr>
+            <a:lvl9pPr marL="3657600" indent="0">
+              <a:buNone/>
+              <a:defRPr sz="2000"/>
+            </a:lvl9pPr>
+          </a:lstStyle>
+          <a:p>
+            <a:r>
+              <a:rPr lang="en-US" smtClean="0"/>
+              <a:t>Drag picture to placeholder or click icon to add</a:t>
+            </a:r>
+            <a:endParaRPr lang="en-US" dirty="0"/>
+          </a:p>
+        </p:txBody>
+      </p:sp>
+      <p:sp>
+        <p:nvSpPr>
+          <p:cNvPr id="4" name="Text Placeholder 3"/>
+          <p:cNvSpPr>
+            <a:spLocks noGrp="1"/>
+          </p:cNvSpPr>
+          <p:nvPr>
+            <p:ph type="body" sz="half" idx="2"/>
+          </p:nvPr>
+        </p:nvSpPr>
+        <p:spPr>
+          <a:xfrm>
+            <a:off x="839788" y="2057400"/>
+            <a:ext cx="3932237" cy="3811588"/>
+          </a:xfrm>
+        </p:spPr>
+        <p:txBody>
+          <a:bodyPr/>
+          <a:lstStyle>
+            <a:lvl1pPr marL="0" indent="0">
+              <a:buNone/>
+              <a:defRPr sz="1600"/>
+            </a:lvl1pPr>
+            <a:lvl2pPr marL="457200" indent="0">
+              <a:buNone/>
+              <a:defRPr sz="1400"/>
+            </a:lvl2pPr>
+            <a:lvl3pPr marL="914400" indent="0">
+              <a:buNone/>
+              <a:defRPr sz="1200"/>
+            </a:lvl3pPr>
+            <a:lvl4pPr marL="1371600" indent="0">
+              <a:buNone/>
+              <a:defRPr sz="1000"/>
+            </a:lvl4pPr>
+            <a:lvl5pPr marL="1828800" indent="0">
+              <a:buNone/>
+              <a:defRPr sz="1000"/>
+            </a:lvl5pPr>
+            <a:lvl6pPr marL="2286000" indent="0">
+              <a:buNone/>
+              <a:defRPr sz="1000"/>
+            </a:lvl6pPr>
+            <a:lvl7pPr marL="2743200" indent="0">
+              <a:buNone/>
+              <a:defRPr sz="1000"/>
+            </a:lvl7pPr>
+            <a:lvl8pPr marL="3200400" indent="0">
+              <a:buNone/>
+              <a:defRPr sz="1000"/>
+            </a:lvl8pPr>
+            <a:lvl9pPr marL="3657600" indent="0">
+              <a:buNone/>
+              <a:defRPr sz="1000"/>
+            </a:lvl9pPr>
+          </a:lstStyle>
+          <a:p>
+            <a:pPr lvl="0"/>
+            <a:r>
+              <a:rPr lang="en-US" smtClean="0"/>
+              <a:t>Click to edit Master text styles</a:t>
+            </a:r>
+          </a:p>
+        </p:txBody>
+      </p:sp>
+      <p:sp>
+        <p:nvSpPr>
+          <p:cNvPr id="5" name="Date Placeholder 4"/>
+          <p:cNvSpPr>
+            <a:spLocks noGrp="1"/>
+          </p:cNvSpPr>
+          <p:nvPr>
+            <p:ph type="dt" sz="half" idx="10"/>
+          </p:nvPr>
+        </p:nvSpPr>
+        <p:spPr/>
+        <p:txBody>
+          <a:bodyPr/>
+          <a:lstStyle/>
+          <a:p>
+            <a:fld id="{9A76E284-8BEB-CB4B-8DE1-A2CBA4136BE7}" type="datetimeFigureOut">
+              <a:rPr lang="en-US" smtClean="0"/>
+              <a:t>12/5/17</a:t>
+            </a:fld>
+            <a:endParaRPr lang="en-US"/>
+          </a:p>
+        </p:txBody>
+      </p:sp>
+      <p:sp>
+        <p:nvSpPr>
+          <p:cNvPr id="6" name="Footer Placeholder 5"/>
+          <p:cNvSpPr>
+            <a:spLocks noGrp="1"/>
+          </p:cNvSpPr>
+          <p:nvPr>
+            <p:ph type="ftr" sz="quarter" idx="11"/>
+          </p:nvPr>
+        </p:nvSpPr>
+        <p:spPr/>
+        <p:txBody>
+          <a:bodyPr/>
+          <a:lstStyle/>
+          <a:p>
+            <a:endParaRPr lang="en-US"/>
+          </a:p>
+        </p:txBody>
+      </p:sp>
+      <p:sp>
+        <p:nvSpPr>
+          <p:cNvPr id="7" name="Slide Number Placeholder 6"/>
+          <p:cNvSpPr>
+            <a:spLocks noGrp="1"/>
+          </p:cNvSpPr>
+          <p:nvPr>
+            <p:ph type="sldNum" sz="quarter" idx="12"/>
+          </p:nvPr>
+        </p:nvSpPr>
+        <p:spPr/>
+        <p:txBody>
+          <a:bodyPr/>
+          <a:lstStyle/>
+          <a:p>
+            <a:fld id="{16DBCD85-F2E2-B44B-8854-2F823B052582}" type="slidenum">
+              <a:rPr lang="en-US" smtClean="0"/>
+              <a:t>‹#›</a:t>
+            </a:fld>
+            <a:endParaRPr lang="en-US"/>
+          </a:p>
+        </p:txBody>
+      </p:sp>
+    </p:spTree>
+  </p:cSld>
+  <p:clrMapOvr>
+    <a:masterClrMapping/>
+  </p:clrMapOvr>
+</p:sldLayout>
+</file>
+
+<file path=ppt/slideLayouts/slideLayout21.xml><?xml version="1.0" encoding="utf-8"?>
+<p:sldLayout xmlns:a="http://schemas.openxmlformats.org/drawingml/2006/main" xmlns:r="http://schemas.openxmlformats.org/officeDocument/2006/relationships" xmlns:p="http://schemas.openxmlformats.org/presentationml/2006/main" type="vertTx" preserve="1">
+  <p:cSld name="Title and Vertical Text">
+    <p:spTree>
+      <p:nvGrpSpPr>
+        <p:cNvPr id="1" name=""/>
+        <p:cNvGrpSpPr/>
+        <p:nvPr/>
+      </p:nvGrpSpPr>
+      <p:grpSpPr>
+        <a:xfrm>
+          <a:off x="0" y="0"/>
+          <a:ext cx="0" cy="0"/>
+          <a:chOff x="0" y="0"/>
+          <a:chExt cx="0" cy="0"/>
+        </a:xfrm>
+      </p:grpSpPr>
+      <p:sp>
+        <p:nvSpPr>
+          <p:cNvPr id="2" name="Title 1"/>
+          <p:cNvSpPr>
+            <a:spLocks noGrp="1"/>
+          </p:cNvSpPr>
+          <p:nvPr>
+            <p:ph type="title"/>
+          </p:nvPr>
+        </p:nvSpPr>
+        <p:spPr/>
+        <p:txBody>
+          <a:bodyPr/>
+          <a:lstStyle/>
+          <a:p>
+            <a:r>
+              <a:rPr lang="en-US" smtClean="0"/>
+              <a:t>Click to edit Master title style</a:t>
+            </a:r>
+            <a:endParaRPr lang="en-US" dirty="0"/>
+          </a:p>
+        </p:txBody>
+      </p:sp>
+      <p:sp>
+        <p:nvSpPr>
+          <p:cNvPr id="3" name="Vertical Text Placeholder 2"/>
+          <p:cNvSpPr>
+            <a:spLocks noGrp="1"/>
+          </p:cNvSpPr>
+          <p:nvPr>
+            <p:ph type="body" orient="vert" idx="1"/>
+          </p:nvPr>
+        </p:nvSpPr>
+        <p:spPr/>
+        <p:txBody>
+          <a:bodyPr vert="eaVert"/>
+          <a:lstStyle/>
+          <a:p>
+            <a:pPr lvl="0"/>
+            <a:r>
+              <a:rPr lang="en-US" smtClean="0"/>
+              <a:t>Click to edit Master text styles</a:t>
+            </a:r>
+          </a:p>
+          <a:p>
+            <a:pPr lvl="1"/>
+            <a:r>
+              <a:rPr lang="en-US" smtClean="0"/>
+              <a:t>Second level</a:t>
+            </a:r>
+          </a:p>
+          <a:p>
+            <a:pPr lvl="2"/>
+            <a:r>
+              <a:rPr lang="en-US" smtClean="0"/>
+              <a:t>Third level</a:t>
+            </a:r>
+          </a:p>
+          <a:p>
+            <a:pPr lvl="3"/>
+            <a:r>
+              <a:rPr lang="en-US" smtClean="0"/>
+              <a:t>Fourth level</a:t>
+            </a:r>
+          </a:p>
+          <a:p>
+            <a:pPr lvl="4"/>
+            <a:r>
+              <a:rPr lang="en-US" smtClean="0"/>
+              <a:t>Fifth level</a:t>
+            </a:r>
+            <a:endParaRPr lang="en-US" dirty="0"/>
+          </a:p>
+        </p:txBody>
+      </p:sp>
+      <p:sp>
+        <p:nvSpPr>
+          <p:cNvPr id="4" name="Date Placeholder 3"/>
+          <p:cNvSpPr>
+            <a:spLocks noGrp="1"/>
+          </p:cNvSpPr>
+          <p:nvPr>
+            <p:ph type="dt" sz="half" idx="10"/>
+          </p:nvPr>
+        </p:nvSpPr>
+        <p:spPr/>
+        <p:txBody>
+          <a:bodyPr/>
+          <a:lstStyle/>
+          <a:p>
+            <a:fld id="{9A76E284-8BEB-CB4B-8DE1-A2CBA4136BE7}" type="datetimeFigureOut">
+              <a:rPr lang="en-US" smtClean="0"/>
+              <a:t>12/5/17</a:t>
+            </a:fld>
+            <a:endParaRPr lang="en-US"/>
+          </a:p>
+        </p:txBody>
+      </p:sp>
+      <p:sp>
+        <p:nvSpPr>
+          <p:cNvPr id="5" name="Footer Placeholder 4"/>
+          <p:cNvSpPr>
+            <a:spLocks noGrp="1"/>
+          </p:cNvSpPr>
+          <p:nvPr>
+            <p:ph type="ftr" sz="quarter" idx="11"/>
+          </p:nvPr>
+        </p:nvSpPr>
+        <p:spPr/>
+        <p:txBody>
+          <a:bodyPr/>
+          <a:lstStyle/>
+          <a:p>
+            <a:endParaRPr lang="en-US"/>
+          </a:p>
+        </p:txBody>
+      </p:sp>
+      <p:sp>
+        <p:nvSpPr>
+          <p:cNvPr id="6" name="Slide Number Placeholder 5"/>
+          <p:cNvSpPr>
+            <a:spLocks noGrp="1"/>
+          </p:cNvSpPr>
+          <p:nvPr>
+            <p:ph type="sldNum" sz="quarter" idx="12"/>
+          </p:nvPr>
+        </p:nvSpPr>
+        <p:spPr/>
+        <p:txBody>
+          <a:bodyPr/>
+          <a:lstStyle/>
+          <a:p>
+            <a:fld id="{16DBCD85-F2E2-B44B-8854-2F823B052582}" type="slidenum">
+              <a:rPr lang="en-US" smtClean="0"/>
+              <a:t>‹#›</a:t>
+            </a:fld>
+            <a:endParaRPr lang="en-US"/>
+          </a:p>
+        </p:txBody>
+      </p:sp>
+    </p:spTree>
+  </p:cSld>
+  <p:clrMapOvr>
+    <a:masterClrMapping/>
+  </p:clrMapOvr>
+</p:sldLayout>
+</file>
+
+<file path=ppt/slideLayouts/slideLayout22.xml><?xml version="1.0" encoding="utf-8"?>
+<p:sldLayout xmlns:a="http://schemas.openxmlformats.org/drawingml/2006/main" xmlns:r="http://schemas.openxmlformats.org/officeDocument/2006/relationships" xmlns:p="http://schemas.openxmlformats.org/presentationml/2006/main" type="vertTitleAndTx" preserve="1">
+  <p:cSld name="Vertical Title and Text">
+    <p:spTree>
+      <p:nvGrpSpPr>
+        <p:cNvPr id="1" name=""/>
+        <p:cNvGrpSpPr/>
+        <p:nvPr/>
+      </p:nvGrpSpPr>
+      <p:grpSpPr>
+        <a:xfrm>
+          <a:off x="0" y="0"/>
+          <a:ext cx="0" cy="0"/>
+          <a:chOff x="0" y="0"/>
+          <a:chExt cx="0" cy="0"/>
+        </a:xfrm>
+      </p:grpSpPr>
+      <p:sp>
+        <p:nvSpPr>
+          <p:cNvPr id="2" name="Vertical Title 1"/>
+          <p:cNvSpPr>
+            <a:spLocks noGrp="1"/>
+          </p:cNvSpPr>
+          <p:nvPr>
+            <p:ph type="title" orient="vert"/>
+          </p:nvPr>
+        </p:nvSpPr>
+        <p:spPr>
+          <a:xfrm>
+            <a:off x="8724900" y="365125"/>
+            <a:ext cx="2628900" cy="5811838"/>
+          </a:xfrm>
+        </p:spPr>
+        <p:txBody>
+          <a:bodyPr vert="eaVert"/>
+          <a:lstStyle/>
+          <a:p>
+            <a:r>
+              <a:rPr lang="en-US" smtClean="0"/>
+              <a:t>Click to edit Master title style</a:t>
+            </a:r>
+            <a:endParaRPr lang="en-US" dirty="0"/>
+          </a:p>
+        </p:txBody>
+      </p:sp>
+      <p:sp>
+        <p:nvSpPr>
+          <p:cNvPr id="3" name="Vertical Text Placeholder 2"/>
+          <p:cNvSpPr>
+            <a:spLocks noGrp="1"/>
+          </p:cNvSpPr>
+          <p:nvPr>
+            <p:ph type="body" orient="vert" idx="1"/>
+          </p:nvPr>
+        </p:nvSpPr>
+        <p:spPr>
+          <a:xfrm>
+            <a:off x="838200" y="365125"/>
+            <a:ext cx="7734300" cy="5811838"/>
+          </a:xfrm>
+        </p:spPr>
+        <p:txBody>
+          <a:bodyPr vert="eaVert"/>
+          <a:lstStyle/>
+          <a:p>
+            <a:pPr lvl="0"/>
+            <a:r>
+              <a:rPr lang="en-US" smtClean="0"/>
+              <a:t>Click to edit Master text styles</a:t>
+            </a:r>
+          </a:p>
+          <a:p>
+            <a:pPr lvl="1"/>
+            <a:r>
+              <a:rPr lang="en-US" smtClean="0"/>
+              <a:t>Second level</a:t>
+            </a:r>
+          </a:p>
+          <a:p>
+            <a:pPr lvl="2"/>
+            <a:r>
+              <a:rPr lang="en-US" smtClean="0"/>
+              <a:t>Third level</a:t>
+            </a:r>
+          </a:p>
+          <a:p>
+            <a:pPr lvl="3"/>
+            <a:r>
+              <a:rPr lang="en-US" smtClean="0"/>
+              <a:t>Fourth level</a:t>
+            </a:r>
+          </a:p>
+          <a:p>
+            <a:pPr lvl="4"/>
+            <a:r>
+              <a:rPr lang="en-US" smtClean="0"/>
+              <a:t>Fifth level</a:t>
+            </a:r>
+            <a:endParaRPr lang="en-US" dirty="0"/>
+          </a:p>
+        </p:txBody>
+      </p:sp>
+      <p:sp>
+        <p:nvSpPr>
+          <p:cNvPr id="4" name="Date Placeholder 3"/>
+          <p:cNvSpPr>
+            <a:spLocks noGrp="1"/>
+          </p:cNvSpPr>
+          <p:nvPr>
+            <p:ph type="dt" sz="half" idx="10"/>
+          </p:nvPr>
+        </p:nvSpPr>
+        <p:spPr/>
+        <p:txBody>
+          <a:bodyPr/>
+          <a:lstStyle/>
+          <a:p>
+            <a:fld id="{9A76E284-8BEB-CB4B-8DE1-A2CBA4136BE7}" type="datetimeFigureOut">
+              <a:rPr lang="en-US" smtClean="0"/>
+              <a:t>12/5/17</a:t>
+            </a:fld>
+            <a:endParaRPr lang="en-US"/>
+          </a:p>
+        </p:txBody>
+      </p:sp>
+      <p:sp>
+        <p:nvSpPr>
+          <p:cNvPr id="5" name="Footer Placeholder 4"/>
+          <p:cNvSpPr>
+            <a:spLocks noGrp="1"/>
+          </p:cNvSpPr>
+          <p:nvPr>
+            <p:ph type="ftr" sz="quarter" idx="11"/>
+          </p:nvPr>
+        </p:nvSpPr>
+        <p:spPr/>
+        <p:txBody>
+          <a:bodyPr/>
+          <a:lstStyle/>
+          <a:p>
+            <a:endParaRPr lang="en-US"/>
+          </a:p>
+        </p:txBody>
+      </p:sp>
+      <p:sp>
+        <p:nvSpPr>
+          <p:cNvPr id="6" name="Slide Number Placeholder 5"/>
+          <p:cNvSpPr>
+            <a:spLocks noGrp="1"/>
+          </p:cNvSpPr>
+          <p:nvPr>
+            <p:ph type="sldNum" sz="quarter" idx="12"/>
+          </p:nvPr>
+        </p:nvSpPr>
+        <p:spPr/>
+        <p:txBody>
+          <a:bodyPr/>
+          <a:lstStyle/>
+          <a:p>
+            <a:fld id="{16DBCD85-F2E2-B44B-8854-2F823B052582}" type="slidenum">
+              <a:rPr lang="en-US" smtClean="0"/>
+              <a:t>‹#›</a:t>
+            </a:fld>
+            <a:endParaRPr lang="en-US"/>
+          </a:p>
+        </p:txBody>
+      </p:sp>
+    </p:spTree>
+  </p:cSld>
+  <p:clrMapOvr>
+    <a:masterClrMapping/>
+  </p:clrMapOvr>
+</p:sldLayout>
+</file>
+
+<file path=ppt/slideLayouts/slideLayout3.xml><?xml version="1.0" encoding="utf-8"?>
+<p:sldLayout xmlns:a="http://schemas.openxmlformats.org/drawingml/2006/main" xmlns:r="http://schemas.openxmlformats.org/officeDocument/2006/relationships" xmlns:p="http://schemas.openxmlformats.org/presentationml/2006/main" type="secHead" preserve="1">
+  <p:cSld name="Section Header">
+    <p:spTree>
+      <p:nvGrpSpPr>
+        <p:cNvPr id="1" name=""/>
+        <p:cNvGrpSpPr/>
+        <p:nvPr/>
+      </p:nvGrpSpPr>
+      <p:grpSpPr>
+        <a:xfrm>
+          <a:off x="0" y="0"/>
+          <a:ext cx="0" cy="0"/>
+          <a:chOff x="0" y="0"/>
+          <a:chExt cx="0" cy="0"/>
+        </a:xfrm>
+      </p:grpSpPr>
+      <p:sp>
+        <p:nvSpPr>
+          <p:cNvPr id="2" name="Title 1"/>
+          <p:cNvSpPr>
+            <a:spLocks noGrp="1"/>
+          </p:cNvSpPr>
+          <p:nvPr>
+            <p:ph type="title"/>
+          </p:nvPr>
+        </p:nvSpPr>
+        <p:spPr>
+          <a:xfrm>
+            <a:off x="831850" y="1709738"/>
+            <a:ext cx="10515600" cy="2852737"/>
+          </a:xfrm>
+        </p:spPr>
+        <p:txBody>
+          <a:bodyPr anchor="b"/>
+          <a:lstStyle>
+            <a:lvl1pPr>
+              <a:defRPr sz="6000"/>
+            </a:lvl1pPr>
+          </a:lstStyle>
+          <a:p>
+            <a:r>
+              <a:rPr lang="en-US" smtClean="0"/>
+              <a:t>Click to edit Master title style</a:t>
+            </a:r>
+            <a:endParaRPr lang="en-US" dirty="0"/>
+          </a:p>
+        </p:txBody>
+      </p:sp>
+      <p:sp>
+        <p:nvSpPr>
+          <p:cNvPr id="3" name="Text Placeholder 2"/>
+          <p:cNvSpPr>
+            <a:spLocks noGrp="1"/>
+          </p:cNvSpPr>
+          <p:nvPr>
+            <p:ph type="body" idx="1"/>
+          </p:nvPr>
+        </p:nvSpPr>
+        <p:spPr>
+          <a:xfrm>
+            <a:off x="831850" y="4589463"/>
+            <a:ext cx="10515600" cy="1500187"/>
+          </a:xfrm>
+        </p:spPr>
+        <p:txBody>
+          <a:bodyPr/>
+          <a:lstStyle>
+            <a:lvl1pPr marL="0" indent="0">
+              <a:buNone/>
+              <a:defRPr sz="2400">
+                <a:solidFill>
+                  <a:schemeClr val="tx1">
+                    <a:tint val="75000"/>
+                  </a:schemeClr>
+                </a:solidFill>
+              </a:defRPr>
+            </a:lvl1pPr>
+            <a:lvl2pPr marL="457200" indent="0">
+              <a:buNone/>
+              <a:defRPr sz="2000">
+                <a:solidFill>
+                  <a:schemeClr val="tx1">
+                    <a:tint val="75000"/>
+                  </a:schemeClr>
+                </a:solidFill>
+              </a:defRPr>
+            </a:lvl2pPr>
+            <a:lvl3pPr marL="914400" indent="0">
+              <a:buNone/>
+              <a:defRPr sz="1800">
+                <a:solidFill>
+                  <a:schemeClr val="tx1">
+                    <a:tint val="75000"/>
+                  </a:schemeClr>
+                </a:solidFill>
+              </a:defRPr>
+            </a:lvl3pPr>
+            <a:lvl4pPr marL="1371600" indent="0">
+              <a:buNone/>
+              <a:defRPr sz="1600">
+                <a:solidFill>
+                  <a:schemeClr val="tx1">
+                    <a:tint val="75000"/>
+                  </a:schemeClr>
+                </a:solidFill>
+              </a:defRPr>
+            </a:lvl4pPr>
+            <a:lvl5pPr marL="1828800" indent="0">
+              <a:buNone/>
+              <a:defRPr sz="1600">
+                <a:solidFill>
+                  <a:schemeClr val="tx1">
+                    <a:tint val="75000"/>
+                  </a:schemeClr>
+                </a:solidFill>
+              </a:defRPr>
+            </a:lvl5pPr>
+            <a:lvl6pPr marL="2286000" indent="0">
+              <a:buNone/>
+              <a:defRPr sz="1600">
+                <a:solidFill>
+                  <a:schemeClr val="tx1">
+                    <a:tint val="75000"/>
+                  </a:schemeClr>
+                </a:solidFill>
+              </a:defRPr>
+            </a:lvl6pPr>
+            <a:lvl7pPr marL="2743200" indent="0">
+              <a:buNone/>
+              <a:defRPr sz="1600">
+                <a:solidFill>
+                  <a:schemeClr val="tx1">
+                    <a:tint val="75000"/>
+                  </a:schemeClr>
+                </a:solidFill>
+              </a:defRPr>
+            </a:lvl7pPr>
+            <a:lvl8pPr marL="3200400" indent="0">
+              <a:buNone/>
+              <a:defRPr sz="1600">
+                <a:solidFill>
+                  <a:schemeClr val="tx1">
+                    <a:tint val="75000"/>
+                  </a:schemeClr>
+                </a:solidFill>
+              </a:defRPr>
+            </a:lvl8pPr>
+            <a:lvl9pPr marL="3657600" indent="0">
+              <a:buNone/>
+              <a:defRPr sz="1600">
+                <a:solidFill>
+                  <a:schemeClr val="tx1">
+                    <a:tint val="75000"/>
+                  </a:schemeClr>
+                </a:solidFill>
+              </a:defRPr>
+            </a:lvl9pPr>
+          </a:lstStyle>
+          <a:p>
+            <a:pPr lvl="0"/>
+            <a:r>
+              <a:rPr lang="en-US" smtClean="0"/>
+              <a:t>Click to edit Master text styles</a:t>
+            </a:r>
+          </a:p>
+        </p:txBody>
+      </p:sp>
+      <p:sp>
+        <p:nvSpPr>
+          <p:cNvPr id="4" name="Date Placeholder 3"/>
+          <p:cNvSpPr>
+            <a:spLocks noGrp="1"/>
+          </p:cNvSpPr>
+          <p:nvPr>
+            <p:ph type="dt" sz="half" idx="10"/>
+          </p:nvPr>
+        </p:nvSpPr>
+        <p:spPr/>
+        <p:txBody>
+          <a:bodyPr/>
+          <a:lstStyle/>
+          <a:p>
+            <a:fld id="{9A76E284-8BEB-CB4B-8DE1-A2CBA4136BE7}" type="datetimeFigureOut">
+              <a:rPr lang="en-US" smtClean="0"/>
+              <a:t>12/5/17</a:t>
+            </a:fld>
+            <a:endParaRPr lang="en-US"/>
+          </a:p>
+        </p:txBody>
+      </p:sp>
+      <p:sp>
+        <p:nvSpPr>
+          <p:cNvPr id="5" name="Footer Placeholder 4"/>
+          <p:cNvSpPr>
+            <a:spLocks noGrp="1"/>
+          </p:cNvSpPr>
+          <p:nvPr>
+            <p:ph type="ftr" sz="quarter" idx="11"/>
+          </p:nvPr>
+        </p:nvSpPr>
+        <p:spPr/>
+        <p:txBody>
+          <a:bodyPr/>
+          <a:lstStyle/>
+          <a:p>
+            <a:endParaRPr lang="en-US"/>
+          </a:p>
+        </p:txBody>
+      </p:sp>
+      <p:sp>
+        <p:nvSpPr>
+          <p:cNvPr id="6" name="Slide Number Placeholder 5"/>
+          <p:cNvSpPr>
+            <a:spLocks noGrp="1"/>
+          </p:cNvSpPr>
+          <p:nvPr>
+            <p:ph type="sldNum" sz="quarter" idx="12"/>
+          </p:nvPr>
+        </p:nvSpPr>
+        <p:spPr/>
+        <p:txBody>
+          <a:bodyPr/>
+          <a:lstStyle/>
+          <a:p>
+            <a:fld id="{16DBCD85-F2E2-B44B-8854-2F823B052582}" type="slidenum">
+              <a:rPr lang="en-US" smtClean="0"/>
+              <a:t>‹#›</a:t>
+            </a:fld>
+            <a:endParaRPr lang="en-US"/>
+          </a:p>
+        </p:txBody>
+      </p:sp>
+    </p:spTree>
+  </p:cSld>
+  <p:clrMapOvr>
+    <a:masterClrMapping/>
+  </p:clrMapOvr>
+</p:sldLayout>
+</file>
+
+<file path=ppt/slideLayouts/slideLayout4.xml><?xml version="1.0" encoding="utf-8"?>
+<p:sldLayout xmlns:a="http://schemas.openxmlformats.org/drawingml/2006/main" xmlns:r="http://schemas.openxmlformats.org/officeDocument/2006/relationships" xmlns:p="http://schemas.openxmlformats.org/presentationml/2006/main" type="twoObj" preserve="1">
+  <p:cSld name="Two Content">
+    <p:spTree>
+      <p:nvGrpSpPr>
+        <p:cNvPr id="1" name=""/>
+        <p:cNvGrpSpPr/>
+        <p:nvPr/>
+      </p:nvGrpSpPr>
+      <p:grpSpPr>
+        <a:xfrm>
+          <a:off x="0" y="0"/>
+          <a:ext cx="0" cy="0"/>
+          <a:chOff x="0" y="0"/>
+          <a:chExt cx="0" cy="0"/>
+        </a:xfrm>
+      </p:grpSpPr>
+      <p:sp>
+        <p:nvSpPr>
+          <p:cNvPr id="2" name="Title 1"/>
+          <p:cNvSpPr>
+            <a:spLocks noGrp="1"/>
+          </p:cNvSpPr>
+          <p:nvPr>
+            <p:ph type="title"/>
+          </p:nvPr>
+        </p:nvSpPr>
+        <p:spPr/>
+        <p:txBody>
+          <a:bodyPr/>
+          <a:lstStyle/>
+          <a:p>
+            <a:r>
+              <a:rPr lang="en-US" smtClean="0"/>
+              <a:t>Click to edit Master title style</a:t>
+            </a:r>
+            <a:endParaRPr lang="en-US" dirty="0"/>
+          </a:p>
+        </p:txBody>
+      </p:sp>
+      <p:sp>
+        <p:nvSpPr>
+          <p:cNvPr id="3" name="Content Placeholder 2"/>
+          <p:cNvSpPr>
+            <a:spLocks noGrp="1"/>
+          </p:cNvSpPr>
+          <p:nvPr>
+            <p:ph sz="half" idx="1"/>
+          </p:nvPr>
+        </p:nvSpPr>
+        <p:spPr>
+          <a:xfrm>
+            <a:off x="838200" y="1825625"/>
+            <a:ext cx="5181600" cy="4351338"/>
+          </a:xfrm>
+        </p:spPr>
+        <p:txBody>
+          <a:bodyPr/>
+          <a:lstStyle/>
+          <a:p>
+            <a:pPr lvl="0"/>
+            <a:r>
+              <a:rPr lang="en-US" smtClean="0"/>
+              <a:t>Click to edit Master text styles</a:t>
+            </a:r>
+          </a:p>
+          <a:p>
+            <a:pPr lvl="1"/>
+            <a:r>
+              <a:rPr lang="en-US" smtClean="0"/>
+              <a:t>Second level</a:t>
+            </a:r>
+          </a:p>
+          <a:p>
+            <a:pPr lvl="2"/>
+            <a:r>
+              <a:rPr lang="en-US" smtClean="0"/>
+              <a:t>Third level</a:t>
+            </a:r>
+          </a:p>
+          <a:p>
+            <a:pPr lvl="3"/>
+            <a:r>
+              <a:rPr lang="en-US" smtClean="0"/>
+              <a:t>Fourth level</a:t>
+            </a:r>
+          </a:p>
+          <a:p>
+            <a:pPr lvl="4"/>
+            <a:r>
+              <a:rPr lang="en-US" smtClean="0"/>
+              <a:t>Fifth level</a:t>
+            </a:r>
+            <a:endParaRPr lang="en-US" dirty="0"/>
+          </a:p>
+        </p:txBody>
+      </p:sp>
+      <p:sp>
+        <p:nvSpPr>
+          <p:cNvPr id="4" name="Content Placeholder 3"/>
+          <p:cNvSpPr>
+            <a:spLocks noGrp="1"/>
+          </p:cNvSpPr>
+          <p:nvPr>
+            <p:ph sz="half" idx="2"/>
+          </p:nvPr>
+        </p:nvSpPr>
+        <p:spPr>
+          <a:xfrm>
+            <a:off x="6172200" y="1825625"/>
+            <a:ext cx="5181600" cy="4351338"/>
+          </a:xfrm>
+        </p:spPr>
+        <p:txBody>
+          <a:bodyPr/>
+          <a:lstStyle/>
+          <a:p>
+            <a:pPr lvl="0"/>
+            <a:r>
+              <a:rPr lang="en-US" smtClean="0"/>
+              <a:t>Click to edit Master text styles</a:t>
+            </a:r>
+          </a:p>
+          <a:p>
+            <a:pPr lvl="1"/>
+            <a:r>
+              <a:rPr lang="en-US" smtClean="0"/>
+              <a:t>Second level</a:t>
+            </a:r>
+          </a:p>
+          <a:p>
+            <a:pPr lvl="2"/>
+            <a:r>
+              <a:rPr lang="en-US" smtClean="0"/>
+              <a:t>Third level</a:t>
+            </a:r>
+          </a:p>
+          <a:p>
+            <a:pPr lvl="3"/>
+            <a:r>
+              <a:rPr lang="en-US" smtClean="0"/>
+              <a:t>Fourth level</a:t>
+            </a:r>
+          </a:p>
+          <a:p>
+            <a:pPr lvl="4"/>
+            <a:r>
+              <a:rPr lang="en-US" smtClean="0"/>
+              <a:t>Fifth level</a:t>
+            </a:r>
+            <a:endParaRPr lang="en-US" dirty="0"/>
+          </a:p>
+        </p:txBody>
+      </p:sp>
+      <p:sp>
+        <p:nvSpPr>
+          <p:cNvPr id="5" name="Date Placeholder 4"/>
+          <p:cNvSpPr>
+            <a:spLocks noGrp="1"/>
+          </p:cNvSpPr>
+          <p:nvPr>
+            <p:ph type="dt" sz="half" idx="10"/>
+          </p:nvPr>
+        </p:nvSpPr>
+        <p:spPr/>
+        <p:txBody>
+          <a:bodyPr/>
+          <a:lstStyle/>
+          <a:p>
+            <a:fld id="{9A76E284-8BEB-CB4B-8DE1-A2CBA4136BE7}" type="datetimeFigureOut">
+              <a:rPr lang="en-US" smtClean="0"/>
+              <a:t>12/5/17</a:t>
+            </a:fld>
+            <a:endParaRPr lang="en-US"/>
+          </a:p>
+        </p:txBody>
+      </p:sp>
+      <p:sp>
+        <p:nvSpPr>
+          <p:cNvPr id="6" name="Footer Placeholder 5"/>
+          <p:cNvSpPr>
+            <a:spLocks noGrp="1"/>
+          </p:cNvSpPr>
+          <p:nvPr>
+            <p:ph type="ftr" sz="quarter" idx="11"/>
+          </p:nvPr>
+        </p:nvSpPr>
+        <p:spPr/>
+        <p:txBody>
+          <a:bodyPr/>
+          <a:lstStyle/>
+          <a:p>
+            <a:endParaRPr lang="en-US"/>
+          </a:p>
+        </p:txBody>
+      </p:sp>
+      <p:sp>
+        <p:nvSpPr>
+          <p:cNvPr id="7" name="Slide Number Placeholder 6"/>
+          <p:cNvSpPr>
+            <a:spLocks noGrp="1"/>
+          </p:cNvSpPr>
+          <p:nvPr>
+            <p:ph type="sldNum" sz="quarter" idx="12"/>
+          </p:nvPr>
+        </p:nvSpPr>
+        <p:spPr/>
+        <p:txBody>
+          <a:bodyPr/>
+          <a:lstStyle/>
+          <a:p>
+            <a:fld id="{16DBCD85-F2E2-B44B-8854-2F823B052582}" type="slidenum">
+              <a:rPr lang="en-US" smtClean="0"/>
+              <a:t>‹#›</a:t>
+            </a:fld>
+            <a:endParaRPr lang="en-US"/>
+          </a:p>
+        </p:txBody>
+      </p:sp>
+    </p:spTree>
+  </p:cSld>
+  <p:clrMapOvr>
+    <a:masterClrMapping/>
+  </p:clrMapOvr>
+</p:sldLayout>
+</file>
+
+<file path=ppt/slideLayouts/slideLayout5.xml><?xml version="1.0" encoding="utf-8"?>
+<p:sldLayout xmlns:a="http://schemas.openxmlformats.org/drawingml/2006/main" xmlns:r="http://schemas.openxmlformats.org/officeDocument/2006/relationships" xmlns:p="http://schemas.openxmlformats.org/presentationml/2006/main" type="twoTxTwoObj" preserve="1">
+  <p:cSld name="Comparison">
+    <p:spTree>
+      <p:nvGrpSpPr>
+        <p:cNvPr id="1" name=""/>
+        <p:cNvGrpSpPr/>
+        <p:nvPr/>
+      </p:nvGrpSpPr>
+      <p:grpSpPr>
+        <a:xfrm>
+          <a:off x="0" y="0"/>
+          <a:ext cx="0" cy="0"/>
+          <a:chOff x="0" y="0"/>
+          <a:chExt cx="0" cy="0"/>
+        </a:xfrm>
+      </p:grpSpPr>
+      <p:sp>
+        <p:nvSpPr>
+          <p:cNvPr id="2" name="Title 1"/>
+          <p:cNvSpPr>
+            <a:spLocks noGrp="1"/>
+          </p:cNvSpPr>
+          <p:nvPr>
+            <p:ph type="title"/>
+          </p:nvPr>
+        </p:nvSpPr>
+        <p:spPr>
+          <a:xfrm>
+            <a:off x="839788" y="365125"/>
+            <a:ext cx="10515600" cy="1325563"/>
+          </a:xfrm>
+        </p:spPr>
+        <p:txBody>
+          <a:bodyPr/>
+          <a:lstStyle/>
+          <a:p>
+            <a:r>
+              <a:rPr lang="en-US" smtClean="0"/>
+              <a:t>Click to edit Master title style</a:t>
+            </a:r>
+            <a:endParaRPr lang="en-US" dirty="0"/>
+          </a:p>
+        </p:txBody>
+      </p:sp>
+      <p:sp>
+        <p:nvSpPr>
+          <p:cNvPr id="3" name="Text Placeholder 2"/>
+          <p:cNvSpPr>
+            <a:spLocks noGrp="1"/>
+          </p:cNvSpPr>
+          <p:nvPr>
+            <p:ph type="body" idx="1"/>
+          </p:nvPr>
+        </p:nvSpPr>
+        <p:spPr>
+          <a:xfrm>
+            <a:off x="839788" y="1681163"/>
+            <a:ext cx="5157787" cy="823912"/>
+          </a:xfrm>
+        </p:spPr>
+        <p:txBody>
+          <a:bodyPr anchor="b"/>
+          <a:lstStyle>
+            <a:lvl1pPr marL="0" indent="0">
+              <a:buNone/>
+              <a:defRPr sz="2400" b="1"/>
+            </a:lvl1pPr>
+            <a:lvl2pPr marL="457200" indent="0">
+              <a:buNone/>
+              <a:defRPr sz="2000" b="1"/>
+            </a:lvl2pPr>
+            <a:lvl3pPr marL="914400" indent="0">
+              <a:buNone/>
+              <a:defRPr sz="1800" b="1"/>
+            </a:lvl3pPr>
+            <a:lvl4pPr marL="1371600" indent="0">
+              <a:buNone/>
+              <a:defRPr sz="1600" b="1"/>
+            </a:lvl4pPr>
+            <a:lvl5pPr marL="1828800" indent="0">
+              <a:buNone/>
+              <a:defRPr sz="1600" b="1"/>
+            </a:lvl5pPr>
+            <a:lvl6pPr marL="2286000" indent="0">
+              <a:buNone/>
+              <a:defRPr sz="1600" b="1"/>
+            </a:lvl6pPr>
+            <a:lvl7pPr marL="2743200" indent="0">
+              <a:buNone/>
+              <a:defRPr sz="1600" b="1"/>
+            </a:lvl7pPr>
+            <a:lvl8pPr marL="3200400" indent="0">
+              <a:buNone/>
+              <a:defRPr sz="1600" b="1"/>
+            </a:lvl8pPr>
+            <a:lvl9pPr marL="3657600" indent="0">
+              <a:buNone/>
+              <a:defRPr sz="1600" b="1"/>
+            </a:lvl9pPr>
+          </a:lstStyle>
+          <a:p>
+            <a:pPr lvl="0"/>
+            <a:r>
+              <a:rPr lang="en-US" smtClean="0"/>
+              <a:t>Click to edit Master text styles</a:t>
+            </a:r>
+          </a:p>
+        </p:txBody>
+      </p:sp>
+      <p:sp>
+        <p:nvSpPr>
+          <p:cNvPr id="4" name="Content Placeholder 3"/>
+          <p:cNvSpPr>
+            <a:spLocks noGrp="1"/>
+          </p:cNvSpPr>
+          <p:nvPr>
+            <p:ph sz="half" idx="2"/>
+          </p:nvPr>
+        </p:nvSpPr>
+        <p:spPr>
+          <a:xfrm>
+            <a:off x="839788" y="2505075"/>
+            <a:ext cx="5157787" cy="3684588"/>
+          </a:xfrm>
+        </p:spPr>
+        <p:txBody>
+          <a:bodyPr/>
+          <a:lstStyle/>
+          <a:p>
+            <a:pPr lvl="0"/>
+            <a:r>
+              <a:rPr lang="en-US" smtClean="0"/>
+              <a:t>Click to edit Master text styles</a:t>
+            </a:r>
+          </a:p>
+          <a:p>
+            <a:pPr lvl="1"/>
+            <a:r>
+              <a:rPr lang="en-US" smtClean="0"/>
+              <a:t>Second level</a:t>
+            </a:r>
+          </a:p>
+          <a:p>
+            <a:pPr lvl="2"/>
+            <a:r>
+              <a:rPr lang="en-US" smtClean="0"/>
+              <a:t>Third level</a:t>
+            </a:r>
+          </a:p>
+          <a:p>
+            <a:pPr lvl="3"/>
+            <a:r>
+              <a:rPr lang="en-US" smtClean="0"/>
+              <a:t>Fourth level</a:t>
+            </a:r>
+          </a:p>
+          <a:p>
+            <a:pPr lvl="4"/>
+            <a:r>
+              <a:rPr lang="en-US" smtClean="0"/>
+              <a:t>Fifth level</a:t>
+            </a:r>
+            <a:endParaRPr lang="en-US" dirty="0"/>
+          </a:p>
+        </p:txBody>
+      </p:sp>
+      <p:sp>
+        <p:nvSpPr>
+          <p:cNvPr id="5" name="Text Placeholder 4"/>
+          <p:cNvSpPr>
+            <a:spLocks noGrp="1"/>
+          </p:cNvSpPr>
+          <p:nvPr>
+            <p:ph type="body" sz="quarter" idx="3"/>
+          </p:nvPr>
+        </p:nvSpPr>
+        <p:spPr>
+          <a:xfrm>
+            <a:off x="6172200" y="1681163"/>
+            <a:ext cx="5183188" cy="823912"/>
+          </a:xfrm>
+        </p:spPr>
+        <p:txBody>
+          <a:bodyPr anchor="b"/>
+          <a:lstStyle>
+            <a:lvl1pPr marL="0" indent="0">
+              <a:buNone/>
+              <a:defRPr sz="2400" b="1"/>
+            </a:lvl1pPr>
+            <a:lvl2pPr marL="457200" indent="0">
+              <a:buNone/>
+              <a:defRPr sz="2000" b="1"/>
+            </a:lvl2pPr>
+            <a:lvl3pPr marL="914400" indent="0">
+              <a:buNone/>
+              <a:defRPr sz="1800" b="1"/>
+            </a:lvl3pPr>
+            <a:lvl4pPr marL="1371600" indent="0">
+              <a:buNone/>
+              <a:defRPr sz="1600" b="1"/>
+            </a:lvl4pPr>
+            <a:lvl5pPr marL="1828800" indent="0">
+              <a:buNone/>
+              <a:defRPr sz="1600" b="1"/>
+            </a:lvl5pPr>
+            <a:lvl6pPr marL="2286000" indent="0">
+              <a:buNone/>
+              <a:defRPr sz="1600" b="1"/>
+            </a:lvl6pPr>
+            <a:lvl7pPr marL="2743200" indent="0">
+              <a:buNone/>
+              <a:defRPr sz="1600" b="1"/>
+            </a:lvl7pPr>
+            <a:lvl8pPr marL="3200400" indent="0">
+              <a:buNone/>
+              <a:defRPr sz="1600" b="1"/>
+            </a:lvl8pPr>
+            <a:lvl9pPr marL="3657600" indent="0">
+              <a:buNone/>
+              <a:defRPr sz="1600" b="1"/>
+            </a:lvl9pPr>
+          </a:lstStyle>
+          <a:p>
+            <a:pPr lvl="0"/>
+            <a:r>
+              <a:rPr lang="en-US" smtClean="0"/>
+              <a:t>Click to edit Master text styles</a:t>
+            </a:r>
+          </a:p>
+        </p:txBody>
+      </p:sp>
+      <p:sp>
+        <p:nvSpPr>
+          <p:cNvPr id="6" name="Content Placeholder 5"/>
+          <p:cNvSpPr>
+            <a:spLocks noGrp="1"/>
+          </p:cNvSpPr>
+          <p:nvPr>
+            <p:ph sz="quarter" idx="4"/>
+          </p:nvPr>
+        </p:nvSpPr>
+        <p:spPr>
+          <a:xfrm>
+            <a:off x="6172200" y="2505075"/>
+            <a:ext cx="5183188" cy="3684588"/>
+          </a:xfrm>
+        </p:spPr>
+        <p:txBody>
+          <a:bodyPr/>
+          <a:lstStyle/>
+          <a:p>
+            <a:pPr lvl="0"/>
+            <a:r>
+              <a:rPr lang="en-US" smtClean="0"/>
+              <a:t>Click to edit Master text styles</a:t>
+            </a:r>
+          </a:p>
+          <a:p>
+            <a:pPr lvl="1"/>
+            <a:r>
+              <a:rPr lang="en-US" smtClean="0"/>
+              <a:t>Second level</a:t>
+            </a:r>
+          </a:p>
+          <a:p>
+            <a:pPr lvl="2"/>
+            <a:r>
+              <a:rPr lang="en-US" smtClean="0"/>
+              <a:t>Third level</a:t>
+            </a:r>
+          </a:p>
+          <a:p>
+            <a:pPr lvl="3"/>
+            <a:r>
+              <a:rPr lang="en-US" smtClean="0"/>
+              <a:t>Fourth level</a:t>
+            </a:r>
+          </a:p>
+          <a:p>
+            <a:pPr lvl="4"/>
+            <a:r>
+              <a:rPr lang="en-US" smtClean="0"/>
+              <a:t>Fifth level</a:t>
+            </a:r>
+            <a:endParaRPr lang="en-US" dirty="0"/>
+          </a:p>
+        </p:txBody>
+      </p:sp>
+      <p:sp>
+        <p:nvSpPr>
+          <p:cNvPr id="7" name="Date Placeholder 6"/>
+          <p:cNvSpPr>
+            <a:spLocks noGrp="1"/>
+          </p:cNvSpPr>
+          <p:nvPr>
+            <p:ph type="dt" sz="half" idx="10"/>
+          </p:nvPr>
+        </p:nvSpPr>
+        <p:spPr/>
+        <p:txBody>
+          <a:bodyPr/>
+          <a:lstStyle/>
+          <a:p>
+            <a:fld id="{9A76E284-8BEB-CB4B-8DE1-A2CBA4136BE7}" type="datetimeFigureOut">
+              <a:rPr lang="en-US" smtClean="0"/>
+              <a:t>12/5/17</a:t>
+            </a:fld>
+            <a:endParaRPr lang="en-US"/>
+          </a:p>
+        </p:txBody>
+      </p:sp>
+      <p:sp>
+        <p:nvSpPr>
+          <p:cNvPr id="8" name="Footer Placeholder 7"/>
+          <p:cNvSpPr>
+            <a:spLocks noGrp="1"/>
+          </p:cNvSpPr>
+          <p:nvPr>
+            <p:ph type="ftr" sz="quarter" idx="11"/>
+          </p:nvPr>
+        </p:nvSpPr>
+        <p:spPr/>
+        <p:txBody>
+          <a:bodyPr/>
+          <a:lstStyle/>
+          <a:p>
+            <a:endParaRPr lang="en-US"/>
+          </a:p>
+        </p:txBody>
+      </p:sp>
+      <p:sp>
+        <p:nvSpPr>
+          <p:cNvPr id="9" name="Slide Number Placeholder 8"/>
+          <p:cNvSpPr>
+            <a:spLocks noGrp="1"/>
+          </p:cNvSpPr>
+          <p:nvPr>
+            <p:ph type="sldNum" sz="quarter" idx="12"/>
+          </p:nvPr>
+        </p:nvSpPr>
+        <p:spPr/>
+        <p:txBody>
+          <a:bodyPr/>
+          <a:lstStyle/>
+          <a:p>
+            <a:fld id="{16DBCD85-F2E2-B44B-8854-2F823B052582}" type="slidenum">
+              <a:rPr lang="en-US" smtClean="0"/>
+              <a:t>‹#›</a:t>
+            </a:fld>
+            <a:endParaRPr lang="en-US"/>
+          </a:p>
+        </p:txBody>
+      </p:sp>
+    </p:spTree>
+  </p:cSld>
+  <p:clrMapOvr>
+    <a:masterClrMapping/>
+  </p:clrMapOvr>
+</p:sldLayout>
+</file>
+
+<file path=ppt/slideLayouts/slideLayout6.xml><?xml version="1.0" encoding="utf-8"?>
+<p:sldLayout xmlns:a="http://schemas.openxmlformats.org/drawingml/2006/main" xmlns:r="http://schemas.openxmlformats.org/officeDocument/2006/relationships" xmlns:p="http://schemas.openxmlformats.org/presentationml/2006/main" type="titleOnly" preserve="1">
+  <p:cSld name="Title Only">
+    <p:spTree>
+      <p:nvGrpSpPr>
+        <p:cNvPr id="1" name=""/>
+        <p:cNvGrpSpPr/>
+        <p:nvPr/>
+      </p:nvGrpSpPr>
+      <p:grpSpPr>
+        <a:xfrm>
+          <a:off x="0" y="0"/>
+          <a:ext cx="0" cy="0"/>
+          <a:chOff x="0" y="0"/>
+          <a:chExt cx="0" cy="0"/>
+        </a:xfrm>
+      </p:grpSpPr>
+      <p:sp>
+        <p:nvSpPr>
+          <p:cNvPr id="2" name="Title 1"/>
+          <p:cNvSpPr>
+            <a:spLocks noGrp="1"/>
+          </p:cNvSpPr>
+          <p:nvPr>
+            <p:ph type="title"/>
+          </p:nvPr>
+        </p:nvSpPr>
+        <p:spPr/>
+        <p:txBody>
+          <a:bodyPr/>
+          <a:lstStyle/>
+          <a:p>
+            <a:r>
+              <a:rPr lang="en-US" smtClean="0"/>
+              <a:t>Click to edit Master title style</a:t>
+            </a:r>
+            <a:endParaRPr lang="en-US" dirty="0"/>
+          </a:p>
+        </p:txBody>
+      </p:sp>
+      <p:sp>
+        <p:nvSpPr>
+          <p:cNvPr id="3" name="Date Placeholder 2"/>
+          <p:cNvSpPr>
+            <a:spLocks noGrp="1"/>
+          </p:cNvSpPr>
+          <p:nvPr>
+            <p:ph type="dt" sz="half" idx="10"/>
+          </p:nvPr>
+        </p:nvSpPr>
+        <p:spPr/>
+        <p:txBody>
+          <a:bodyPr/>
+          <a:lstStyle/>
+          <a:p>
+            <a:fld id="{9A76E284-8BEB-CB4B-8DE1-A2CBA4136BE7}" type="datetimeFigureOut">
+              <a:rPr lang="en-US" smtClean="0"/>
+              <a:t>12/5/17</a:t>
+            </a:fld>
+            <a:endParaRPr lang="en-US"/>
+          </a:p>
+        </p:txBody>
+      </p:sp>
+      <p:sp>
+        <p:nvSpPr>
+          <p:cNvPr id="4" name="Footer Placeholder 3"/>
+          <p:cNvSpPr>
+            <a:spLocks noGrp="1"/>
+          </p:cNvSpPr>
+          <p:nvPr>
+            <p:ph type="ftr" sz="quarter" idx="11"/>
+          </p:nvPr>
+        </p:nvSpPr>
+        <p:spPr/>
+        <p:txBody>
+          <a:bodyPr/>
+          <a:lstStyle/>
+          <a:p>
+            <a:endParaRPr lang="en-US"/>
+          </a:p>
+        </p:txBody>
+      </p:sp>
+      <p:sp>
+        <p:nvSpPr>
+          <p:cNvPr id="5" name="Slide Number Placeholder 4"/>
+          <p:cNvSpPr>
+            <a:spLocks noGrp="1"/>
+          </p:cNvSpPr>
+          <p:nvPr>
+            <p:ph type="sldNum" sz="quarter" idx="12"/>
+          </p:nvPr>
+        </p:nvSpPr>
+        <p:spPr/>
+        <p:txBody>
+          <a:bodyPr/>
+          <a:lstStyle/>
+          <a:p>
+            <a:fld id="{16DBCD85-F2E2-B44B-8854-2F823B052582}" type="slidenum">
+              <a:rPr lang="en-US" smtClean="0"/>
+              <a:t>‹#›</a:t>
+            </a:fld>
+            <a:endParaRPr lang="en-US"/>
+          </a:p>
+        </p:txBody>
+      </p:sp>
+    </p:spTree>
+  </p:cSld>
+  <p:clrMapOvr>
+    <a:masterClrMapping/>
+  </p:clrMapOvr>
+</p:sldLayout>
+</file>
+
+<file path=ppt/slideLayouts/slideLayout7.xml><?xml version="1.0" encoding="utf-8"?>
+<p:sldLayout xmlns:a="http://schemas.openxmlformats.org/drawingml/2006/main" xmlns:r="http://schemas.openxmlformats.org/officeDocument/2006/relationships" xmlns:p="http://schemas.openxmlformats.org/presentationml/2006/main" type="blank" preserve="1">
+  <p:cSld name="Blank">
+    <p:spTree>
+      <p:nvGrpSpPr>
+        <p:cNvPr id="1" name=""/>
+        <p:cNvGrpSpPr/>
+        <p:nvPr/>
+      </p:nvGrpSpPr>
+      <p:grpSpPr>
+        <a:xfrm>
+          <a:off x="0" y="0"/>
+          <a:ext cx="0" cy="0"/>
+          <a:chOff x="0" y="0"/>
+          <a:chExt cx="0" cy="0"/>
+        </a:xfrm>
+      </p:grpSpPr>
+      <p:sp>
+        <p:nvSpPr>
+          <p:cNvPr id="2" name="Date Placeholder 1"/>
+          <p:cNvSpPr>
+            <a:spLocks noGrp="1"/>
+          </p:cNvSpPr>
+          <p:nvPr>
+            <p:ph type="dt" sz="half" idx="10"/>
+          </p:nvPr>
+        </p:nvSpPr>
+        <p:spPr/>
+        <p:txBody>
+          <a:bodyPr/>
+          <a:lstStyle/>
+          <a:p>
+            <a:fld id="{9A76E284-8BEB-CB4B-8DE1-A2CBA4136BE7}" type="datetimeFigureOut">
+              <a:rPr lang="en-US" smtClean="0"/>
+              <a:t>12/5/17</a:t>
+            </a:fld>
+            <a:endParaRPr lang="en-US"/>
+          </a:p>
+        </p:txBody>
+      </p:sp>
+      <p:sp>
+        <p:nvSpPr>
+          <p:cNvPr id="3" name="Footer Placeholder 2"/>
+          <p:cNvSpPr>
+            <a:spLocks noGrp="1"/>
+          </p:cNvSpPr>
+          <p:nvPr>
+            <p:ph type="ftr" sz="quarter" idx="11"/>
+          </p:nvPr>
+        </p:nvSpPr>
+        <p:spPr/>
+        <p:txBody>
+          <a:bodyPr/>
+          <a:lstStyle/>
+          <a:p>
+            <a:endParaRPr lang="en-US"/>
+          </a:p>
+        </p:txBody>
+      </p:sp>
+      <p:sp>
+        <p:nvSpPr>
+          <p:cNvPr id="4" name="Slide Number Placeholder 3"/>
+          <p:cNvSpPr>
+            <a:spLocks noGrp="1"/>
+          </p:cNvSpPr>
+          <p:nvPr>
+            <p:ph type="sldNum" sz="quarter" idx="12"/>
+          </p:nvPr>
+        </p:nvSpPr>
+        <p:spPr/>
+        <p:txBody>
+          <a:bodyPr/>
+          <a:lstStyle/>
+          <a:p>
+            <a:fld id="{16DBCD85-F2E2-B44B-8854-2F823B052582}" type="slidenum">
+              <a:rPr lang="en-US" smtClean="0"/>
+              <a:t>‹#›</a:t>
+            </a:fld>
+            <a:endParaRPr lang="en-US"/>
+          </a:p>
+        </p:txBody>
+      </p:sp>
+    </p:spTree>
+  </p:cSld>
+  <p:clrMapOvr>
+    <a:masterClrMapping/>
+  </p:clrMapOvr>
+</p:sldLayout>
+</file>
+
+<file path=ppt/slideLayouts/slideLayout8.xml><?xml version="1.0" encoding="utf-8"?>
+<p:sldLayout xmlns:a="http://schemas.openxmlformats.org/drawingml/2006/main" xmlns:r="http://schemas.openxmlformats.org/officeDocument/2006/relationships" xmlns:p="http://schemas.openxmlformats.org/presentationml/2006/main" type="objTx" preserve="1">
+  <p:cSld name="Content with Caption">
+    <p:spTree>
+      <p:nvGrpSpPr>
+        <p:cNvPr id="1" name=""/>
+        <p:cNvGrpSpPr/>
+        <p:nvPr/>
+      </p:nvGrpSpPr>
+      <p:grpSpPr>
+        <a:xfrm>
+          <a:off x="0" y="0"/>
+          <a:ext cx="0" cy="0"/>
+          <a:chOff x="0" y="0"/>
+          <a:chExt cx="0" cy="0"/>
+        </a:xfrm>
+      </p:grpSpPr>
+      <p:sp>
+        <p:nvSpPr>
+          <p:cNvPr id="2" name="Title 1"/>
+          <p:cNvSpPr>
+            <a:spLocks noGrp="1"/>
+          </p:cNvSpPr>
+          <p:nvPr>
+            <p:ph type="title"/>
+          </p:nvPr>
+        </p:nvSpPr>
+        <p:spPr>
+          <a:xfrm>
+            <a:off x="839788" y="457200"/>
+            <a:ext cx="3932237" cy="1600200"/>
+          </a:xfrm>
+        </p:spPr>
+        <p:txBody>
+          <a:bodyPr anchor="b"/>
+          <a:lstStyle>
+            <a:lvl1pPr>
+              <a:defRPr sz="3200"/>
+            </a:lvl1pPr>
+          </a:lstStyle>
+          <a:p>
+            <a:r>
+              <a:rPr lang="en-US" smtClean="0"/>
+              <a:t>Click to edit Master title style</a:t>
+            </a:r>
+            <a:endParaRPr lang="en-US" dirty="0"/>
+          </a:p>
+        </p:txBody>
+      </p:sp>
+      <p:sp>
+        <p:nvSpPr>
+          <p:cNvPr id="3" name="Content Placeholder 2"/>
+          <p:cNvSpPr>
+            <a:spLocks noGrp="1"/>
+          </p:cNvSpPr>
+          <p:nvPr>
+            <p:ph idx="1"/>
+          </p:nvPr>
+        </p:nvSpPr>
+        <p:spPr>
+          <a:xfrm>
+            <a:off x="5183188" y="987425"/>
+            <a:ext cx="6172200" cy="4873625"/>
+          </a:xfrm>
+        </p:spPr>
+        <p:txBody>
+          <a:bodyPr/>
+          <a:lstStyle>
+            <a:lvl1pPr>
+              <a:defRPr sz="3200"/>
+            </a:lvl1pPr>
+            <a:lvl2pPr>
+              <a:defRPr sz="2800"/>
+            </a:lvl2pPr>
+            <a:lvl3pPr>
+              <a:defRPr sz="2400"/>
+            </a:lvl3pPr>
+            <a:lvl4pPr>
+              <a:defRPr sz="2000"/>
+            </a:lvl4pPr>
+            <a:lvl5pPr>
+              <a:defRPr sz="2000"/>
+            </a:lvl5pPr>
+            <a:lvl6pPr>
+              <a:defRPr sz="2000"/>
+            </a:lvl6pPr>
+            <a:lvl7pPr>
+              <a:defRPr sz="2000"/>
+            </a:lvl7pPr>
+            <a:lvl8pPr>
+              <a:defRPr sz="2000"/>
+            </a:lvl8pPr>
+            <a:lvl9pPr>
+              <a:defRPr sz="2000"/>
+            </a:lvl9pPr>
+          </a:lstStyle>
+          <a:p>
+            <a:pPr lvl="0"/>
+            <a:r>
+              <a:rPr lang="en-US" smtClean="0"/>
+              <a:t>Click to edit Master text styles</a:t>
+            </a:r>
+          </a:p>
+          <a:p>
+            <a:pPr lvl="1"/>
+            <a:r>
+              <a:rPr lang="en-US" smtClean="0"/>
+              <a:t>Second level</a:t>
+            </a:r>
+          </a:p>
+          <a:p>
+            <a:pPr lvl="2"/>
+            <a:r>
+              <a:rPr lang="en-US" smtClean="0"/>
+              <a:t>Third level</a:t>
+            </a:r>
+          </a:p>
+          <a:p>
+            <a:pPr lvl="3"/>
+            <a:r>
+              <a:rPr lang="en-US" smtClean="0"/>
+              <a:t>Fourth level</a:t>
+            </a:r>
+          </a:p>
+          <a:p>
+            <a:pPr lvl="4"/>
+            <a:r>
+              <a:rPr lang="en-US" smtClean="0"/>
+              <a:t>Fifth level</a:t>
+            </a:r>
+            <a:endParaRPr lang="en-US" dirty="0"/>
+          </a:p>
+        </p:txBody>
+      </p:sp>
+      <p:sp>
+        <p:nvSpPr>
+          <p:cNvPr id="4" name="Text Placeholder 3"/>
+          <p:cNvSpPr>
+            <a:spLocks noGrp="1"/>
+          </p:cNvSpPr>
+          <p:nvPr>
+            <p:ph type="body" sz="half" idx="2"/>
+          </p:nvPr>
+        </p:nvSpPr>
+        <p:spPr>
+          <a:xfrm>
+            <a:off x="839788" y="2057400"/>
+            <a:ext cx="3932237" cy="3811588"/>
+          </a:xfrm>
+        </p:spPr>
+        <p:txBody>
+          <a:bodyPr/>
+          <a:lstStyle>
+            <a:lvl1pPr marL="0" indent="0">
+              <a:buNone/>
+              <a:defRPr sz="1600"/>
+            </a:lvl1pPr>
+            <a:lvl2pPr marL="457200" indent="0">
+              <a:buNone/>
+              <a:defRPr sz="1400"/>
+            </a:lvl2pPr>
+            <a:lvl3pPr marL="914400" indent="0">
+              <a:buNone/>
+              <a:defRPr sz="1200"/>
+            </a:lvl3pPr>
+            <a:lvl4pPr marL="1371600" indent="0">
+              <a:buNone/>
+              <a:defRPr sz="1000"/>
+            </a:lvl4pPr>
+            <a:lvl5pPr marL="1828800" indent="0">
+              <a:buNone/>
+              <a:defRPr sz="1000"/>
+            </a:lvl5pPr>
+            <a:lvl6pPr marL="2286000" indent="0">
+              <a:buNone/>
+              <a:defRPr sz="1000"/>
+            </a:lvl6pPr>
+            <a:lvl7pPr marL="2743200" indent="0">
+              <a:buNone/>
+              <a:defRPr sz="1000"/>
+            </a:lvl7pPr>
+            <a:lvl8pPr marL="3200400" indent="0">
+              <a:buNone/>
+              <a:defRPr sz="1000"/>
+            </a:lvl8pPr>
+            <a:lvl9pPr marL="3657600" indent="0">
+              <a:buNone/>
+              <a:defRPr sz="1000"/>
+            </a:lvl9pPr>
+          </a:lstStyle>
+          <a:p>
+            <a:pPr lvl="0"/>
+            <a:r>
+              <a:rPr lang="en-US" smtClean="0"/>
+              <a:t>Click to edit Master text styles</a:t>
+            </a:r>
+          </a:p>
+        </p:txBody>
+      </p:sp>
+      <p:sp>
+        <p:nvSpPr>
+          <p:cNvPr id="5" name="Date Placeholder 4"/>
+          <p:cNvSpPr>
+            <a:spLocks noGrp="1"/>
+          </p:cNvSpPr>
+          <p:nvPr>
+            <p:ph type="dt" sz="half" idx="10"/>
+          </p:nvPr>
+        </p:nvSpPr>
+        <p:spPr/>
+        <p:txBody>
+          <a:bodyPr/>
+          <a:lstStyle/>
+          <a:p>
+            <a:fld id="{9A76E284-8BEB-CB4B-8DE1-A2CBA4136BE7}" type="datetimeFigureOut">
+              <a:rPr lang="en-US" smtClean="0"/>
+              <a:t>12/5/17</a:t>
+            </a:fld>
+            <a:endParaRPr lang="en-US"/>
+          </a:p>
+        </p:txBody>
+      </p:sp>
+      <p:sp>
+        <p:nvSpPr>
+          <p:cNvPr id="6" name="Footer Placeholder 5"/>
+          <p:cNvSpPr>
+            <a:spLocks noGrp="1"/>
+          </p:cNvSpPr>
+          <p:nvPr>
+            <p:ph type="ftr" sz="quarter" idx="11"/>
+          </p:nvPr>
+        </p:nvSpPr>
+        <p:spPr/>
+        <p:txBody>
+          <a:bodyPr/>
+          <a:lstStyle/>
+          <a:p>
+            <a:endParaRPr lang="en-US"/>
+          </a:p>
+        </p:txBody>
+      </p:sp>
+      <p:sp>
+        <p:nvSpPr>
+          <p:cNvPr id="7" name="Slide Number Placeholder 6"/>
+          <p:cNvSpPr>
+            <a:spLocks noGrp="1"/>
+          </p:cNvSpPr>
+          <p:nvPr>
+            <p:ph type="sldNum" sz="quarter" idx="12"/>
+          </p:nvPr>
+        </p:nvSpPr>
+        <p:spPr/>
+        <p:txBody>
+          <a:bodyPr/>
+          <a:lstStyle/>
+          <a:p>
+            <a:fld id="{16DBCD85-F2E2-B44B-8854-2F823B052582}" type="slidenum">
+              <a:rPr lang="en-US" smtClean="0"/>
+              <a:t>‹#›</a:t>
+            </a:fld>
+            <a:endParaRPr lang="en-US"/>
+          </a:p>
+        </p:txBody>
+      </p:sp>
+    </p:spTree>
   </p:cSld>
   <p:clrMapOvr>
     <a:masterClrMapping/>
@@ -2563,7 +4764,7 @@
               <a:rPr lang="en-US" smtClean="0"/>
               <a:t>Click to edit Master title style</a:t>
             </a:r>
-            <a:endParaRPr lang="en-US"/>
+            <a:endParaRPr lang="en-US" dirty="0"/>
           </a:p>
         </p:txBody>
       </p:sp>
@@ -2571,7 +4772,7 @@
         <p:nvSpPr>
           <p:cNvPr id="3" name="Picture Placeholder 2"/>
           <p:cNvSpPr>
-            <a:spLocks noGrp="1"/>
+            <a:spLocks noGrp="1" noChangeAspect="1"/>
           </p:cNvSpPr>
           <p:nvPr>
             <p:ph type="pic" idx="1"/>
@@ -2584,7 +4785,7 @@
           </a:xfrm>
         </p:spPr>
         <p:txBody>
-          <a:bodyPr/>
+          <a:bodyPr anchor="t"/>
           <a:lstStyle>
             <a:lvl1pPr marL="0" indent="0">
               <a:buNone/>
@@ -2624,7 +4825,11 @@
             </a:lvl9pPr>
           </a:lstStyle>
           <a:p>
-            <a:endParaRPr lang="en-US"/>
+            <a:r>
+              <a:rPr lang="en-US" smtClean="0"/>
+              <a:t>Drag picture to placeholder or click icon to add</a:t>
+            </a:r>
+            <a:endParaRPr lang="en-US" dirty="0"/>
           </a:p>
         </p:txBody>
       </p:sp>
@@ -2710,7 +4915,7 @@
           <a:p>
             <a:fld id="{9A76E284-8BEB-CB4B-8DE1-A2CBA4136BE7}" type="datetimeFigureOut">
               <a:rPr lang="en-US" smtClean="0"/>
-              <a:t>11/28/17</a:t>
+              <a:t>12/5/17</a:t>
             </a:fld>
             <a:endParaRPr lang="en-US"/>
           </a:p>
@@ -2759,11 +4964,6 @@
         </p:txBody>
       </p:sp>
     </p:spTree>
-    <p:extLst>
-      <p:ext uri="{BB962C8B-B14F-4D97-AF65-F5344CB8AC3E}">
-        <p14:creationId xmlns:p14="http://schemas.microsoft.com/office/powerpoint/2010/main" val="839961735"/>
-      </p:ext>
-    </p:extLst>
   </p:cSld>
   <p:clrMapOvr>
     <a:masterClrMapping/>
@@ -2822,7 +5022,7 @@
               <a:rPr lang="en-US" smtClean="0"/>
               <a:t>Click to edit Master title style</a:t>
             </a:r>
-            <a:endParaRPr lang="en-US"/>
+            <a:endParaRPr lang="en-US" dirty="0"/>
           </a:p>
         </p:txBody>
       </p:sp>
@@ -2884,7 +5084,7 @@
               <a:rPr lang="en-US" smtClean="0"/>
               <a:t>Fifth level</a:t>
             </a:r>
-            <a:endParaRPr lang="en-US"/>
+            <a:endParaRPr lang="en-US" dirty="0"/>
           </a:p>
         </p:txBody>
       </p:sp>
@@ -2923,7 +5123,7 @@
           <a:p>
             <a:fld id="{9A76E284-8BEB-CB4B-8DE1-A2CBA4136BE7}" type="datetimeFigureOut">
               <a:rPr lang="en-US" smtClean="0"/>
-              <a:t>11/28/17</a:t>
+              <a:t>12/5/17</a:t>
             </a:fld>
             <a:endParaRPr lang="en-US"/>
           </a:p>
@@ -3010,23 +5210,23 @@
     </p:spTree>
     <p:extLst>
       <p:ext uri="{BB962C8B-B14F-4D97-AF65-F5344CB8AC3E}">
-        <p14:creationId xmlns:p14="http://schemas.microsoft.com/office/powerpoint/2010/main" val="781496376"/>
+        <p14:creationId xmlns:p14="http://schemas.microsoft.com/office/powerpoint/2010/main" val="1540587595"/>
       </p:ext>
     </p:extLst>
   </p:cSld>
-  <p:clrMap bg1="lt1" tx1="dk1" bg2="lt2" tx2="dk2" accent1="accent1" accent2="accent2" accent3="accent3" accent4="accent4" accent5="accent5" accent6="accent6" hlink="hlink" folHlink="folHlink"/>
+  <p:clrMap bg1="dk1" tx1="lt1" bg2="dk2" tx2="lt2" accent1="accent1" accent2="accent2" accent3="accent3" accent4="accent4" accent5="accent5" accent6="accent6" hlink="hlink" folHlink="folHlink"/>
   <p:sldLayoutIdLst>
-    <p:sldLayoutId id="2147483649" r:id="rId1"/>
-    <p:sldLayoutId id="2147483650" r:id="rId2"/>
-    <p:sldLayoutId id="2147483651" r:id="rId3"/>
-    <p:sldLayoutId id="2147483652" r:id="rId4"/>
-    <p:sldLayoutId id="2147483653" r:id="rId5"/>
-    <p:sldLayoutId id="2147483654" r:id="rId6"/>
-    <p:sldLayoutId id="2147483655" r:id="rId7"/>
-    <p:sldLayoutId id="2147483656" r:id="rId8"/>
-    <p:sldLayoutId id="2147483657" r:id="rId9"/>
-    <p:sldLayoutId id="2147483658" r:id="rId10"/>
-    <p:sldLayoutId id="2147483659" r:id="rId11"/>
+    <p:sldLayoutId id="2147483661" r:id="rId1"/>
+    <p:sldLayoutId id="2147483662" r:id="rId2"/>
+    <p:sldLayoutId id="2147483663" r:id="rId3"/>
+    <p:sldLayoutId id="2147483664" r:id="rId4"/>
+    <p:sldLayoutId id="2147483665" r:id="rId5"/>
+    <p:sldLayoutId id="2147483666" r:id="rId6"/>
+    <p:sldLayoutId id="2147483667" r:id="rId7"/>
+    <p:sldLayoutId id="2147483668" r:id="rId8"/>
+    <p:sldLayoutId id="2147483669" r:id="rId9"/>
+    <p:sldLayoutId id="2147483670" r:id="rId10"/>
+    <p:sldLayoutId id="2147483671" r:id="rId11"/>
   </p:sldLayoutIdLst>
   <p:txStyles>
     <p:titleStyle>
@@ -3056,7 +5256,7 @@
         <a:spcBef>
           <a:spcPts val="1000"/>
         </a:spcBef>
-        <a:buFont typeface="Arial"/>
+        <a:buFont typeface="Arial" panose="020B0604020202020204" pitchFamily="34" charset="0"/>
         <a:buChar char="•"/>
         <a:defRPr sz="2800" kern="1200">
           <a:solidFill>
@@ -3074,7 +5274,7 @@
         <a:spcBef>
           <a:spcPts val="500"/>
         </a:spcBef>
-        <a:buFont typeface="Arial"/>
+        <a:buFont typeface="Arial" panose="020B0604020202020204" pitchFamily="34" charset="0"/>
         <a:buChar char="•"/>
         <a:defRPr sz="2400" kern="1200">
           <a:solidFill>
@@ -3092,7 +5292,7 @@
         <a:spcBef>
           <a:spcPts val="500"/>
         </a:spcBef>
-        <a:buFont typeface="Arial"/>
+        <a:buFont typeface="Arial" panose="020B0604020202020204" pitchFamily="34" charset="0"/>
         <a:buChar char="•"/>
         <a:defRPr sz="2000" kern="1200">
           <a:solidFill>
@@ -3110,7 +5310,7 @@
         <a:spcBef>
           <a:spcPts val="500"/>
         </a:spcBef>
-        <a:buFont typeface="Arial"/>
+        <a:buFont typeface="Arial" panose="020B0604020202020204" pitchFamily="34" charset="0"/>
         <a:buChar char="•"/>
         <a:defRPr sz="1800" kern="1200">
           <a:solidFill>
@@ -3128,7 +5328,7 @@
         <a:spcBef>
           <a:spcPts val="500"/>
         </a:spcBef>
-        <a:buFont typeface="Arial"/>
+        <a:buFont typeface="Arial" panose="020B0604020202020204" pitchFamily="34" charset="0"/>
         <a:buChar char="•"/>
         <a:defRPr sz="1800" kern="1200">
           <a:solidFill>
@@ -3146,7 +5346,7 @@
         <a:spcBef>
           <a:spcPts val="500"/>
         </a:spcBef>
-        <a:buFont typeface="Arial"/>
+        <a:buFont typeface="Arial" panose="020B0604020202020204" pitchFamily="34" charset="0"/>
         <a:buChar char="•"/>
         <a:defRPr sz="1800" kern="1200">
           <a:solidFill>
@@ -3164,7 +5364,7 @@
         <a:spcBef>
           <a:spcPts val="500"/>
         </a:spcBef>
-        <a:buFont typeface="Arial"/>
+        <a:buFont typeface="Arial" panose="020B0604020202020204" pitchFamily="34" charset="0"/>
         <a:buChar char="•"/>
         <a:defRPr sz="1800" kern="1200">
           <a:solidFill>
@@ -3182,7 +5382,7 @@
         <a:spcBef>
           <a:spcPts val="500"/>
         </a:spcBef>
-        <a:buFont typeface="Arial"/>
+        <a:buFont typeface="Arial" panose="020B0604020202020204" pitchFamily="34" charset="0"/>
         <a:buChar char="•"/>
         <a:defRPr sz="1800" kern="1200">
           <a:solidFill>
@@ -3200,7 +5400,547 @@
         <a:spcBef>
           <a:spcPts val="500"/>
         </a:spcBef>
-        <a:buFont typeface="Arial"/>
+        <a:buFont typeface="Arial" panose="020B0604020202020204" pitchFamily="34" charset="0"/>
+        <a:buChar char="•"/>
+        <a:defRPr sz="1800" kern="1200">
+          <a:solidFill>
+            <a:schemeClr val="tx1"/>
+          </a:solidFill>
+          <a:latin typeface="+mn-lt"/>
+          <a:ea typeface="+mn-ea"/>
+          <a:cs typeface="+mn-cs"/>
+        </a:defRPr>
+      </a:lvl9pPr>
+    </p:bodyStyle>
+    <p:otherStyle>
+      <a:defPPr>
+        <a:defRPr lang="en-US"/>
+      </a:defPPr>
+      <a:lvl1pPr marL="0" algn="l" defTabSz="914400" rtl="0" eaLnBrk="1" latinLnBrk="0" hangingPunct="1">
+        <a:defRPr sz="1800" kern="1200">
+          <a:solidFill>
+            <a:schemeClr val="tx1"/>
+          </a:solidFill>
+          <a:latin typeface="+mn-lt"/>
+          <a:ea typeface="+mn-ea"/>
+          <a:cs typeface="+mn-cs"/>
+        </a:defRPr>
+      </a:lvl1pPr>
+      <a:lvl2pPr marL="457200" algn="l" defTabSz="914400" rtl="0" eaLnBrk="1" latinLnBrk="0" hangingPunct="1">
+        <a:defRPr sz="1800" kern="1200">
+          <a:solidFill>
+            <a:schemeClr val="tx1"/>
+          </a:solidFill>
+          <a:latin typeface="+mn-lt"/>
+          <a:ea typeface="+mn-ea"/>
+          <a:cs typeface="+mn-cs"/>
+        </a:defRPr>
+      </a:lvl2pPr>
+      <a:lvl3pPr marL="914400" algn="l" defTabSz="914400" rtl="0" eaLnBrk="1" latinLnBrk="0" hangingPunct="1">
+        <a:defRPr sz="1800" kern="1200">
+          <a:solidFill>
+            <a:schemeClr val="tx1"/>
+          </a:solidFill>
+          <a:latin typeface="+mn-lt"/>
+          <a:ea typeface="+mn-ea"/>
+          <a:cs typeface="+mn-cs"/>
+        </a:defRPr>
+      </a:lvl3pPr>
+      <a:lvl4pPr marL="1371600" algn="l" defTabSz="914400" rtl="0" eaLnBrk="1" latinLnBrk="0" hangingPunct="1">
+        <a:defRPr sz="1800" kern="1200">
+          <a:solidFill>
+            <a:schemeClr val="tx1"/>
+          </a:solidFill>
+          <a:latin typeface="+mn-lt"/>
+          <a:ea typeface="+mn-ea"/>
+          <a:cs typeface="+mn-cs"/>
+        </a:defRPr>
+      </a:lvl4pPr>
+      <a:lvl5pPr marL="1828800" algn="l" defTabSz="914400" rtl="0" eaLnBrk="1" latinLnBrk="0" hangingPunct="1">
+        <a:defRPr sz="1800" kern="1200">
+          <a:solidFill>
+            <a:schemeClr val="tx1"/>
+          </a:solidFill>
+          <a:latin typeface="+mn-lt"/>
+          <a:ea typeface="+mn-ea"/>
+          <a:cs typeface="+mn-cs"/>
+        </a:defRPr>
+      </a:lvl5pPr>
+      <a:lvl6pPr marL="2286000" algn="l" defTabSz="914400" rtl="0" eaLnBrk="1" latinLnBrk="0" hangingPunct="1">
+        <a:defRPr sz="1800" kern="1200">
+          <a:solidFill>
+            <a:schemeClr val="tx1"/>
+          </a:solidFill>
+          <a:latin typeface="+mn-lt"/>
+          <a:ea typeface="+mn-ea"/>
+          <a:cs typeface="+mn-cs"/>
+        </a:defRPr>
+      </a:lvl6pPr>
+      <a:lvl7pPr marL="2743200" algn="l" defTabSz="914400" rtl="0" eaLnBrk="1" latinLnBrk="0" hangingPunct="1">
+        <a:defRPr sz="1800" kern="1200">
+          <a:solidFill>
+            <a:schemeClr val="tx1"/>
+          </a:solidFill>
+          <a:latin typeface="+mn-lt"/>
+          <a:ea typeface="+mn-ea"/>
+          <a:cs typeface="+mn-cs"/>
+        </a:defRPr>
+      </a:lvl7pPr>
+      <a:lvl8pPr marL="3200400" algn="l" defTabSz="914400" rtl="0" eaLnBrk="1" latinLnBrk="0" hangingPunct="1">
+        <a:defRPr sz="1800" kern="1200">
+          <a:solidFill>
+            <a:schemeClr val="tx1"/>
+          </a:solidFill>
+          <a:latin typeface="+mn-lt"/>
+          <a:ea typeface="+mn-ea"/>
+          <a:cs typeface="+mn-cs"/>
+        </a:defRPr>
+      </a:lvl8pPr>
+      <a:lvl9pPr marL="3657600" algn="l" defTabSz="914400" rtl="0" eaLnBrk="1" latinLnBrk="0" hangingPunct="1">
+        <a:defRPr sz="1800" kern="1200">
+          <a:solidFill>
+            <a:schemeClr val="tx1"/>
+          </a:solidFill>
+          <a:latin typeface="+mn-lt"/>
+          <a:ea typeface="+mn-ea"/>
+          <a:cs typeface="+mn-cs"/>
+        </a:defRPr>
+      </a:lvl9pPr>
+    </p:otherStyle>
+  </p:txStyles>
+</p:sldMaster>
+</file>
+
+<file path=ppt/slideMasters/slideMaster2.xml><?xml version="1.0" encoding="utf-8"?>
+<p:sldMaster xmlns:a="http://schemas.openxmlformats.org/drawingml/2006/main" xmlns:r="http://schemas.openxmlformats.org/officeDocument/2006/relationships" xmlns:p="http://schemas.openxmlformats.org/presentationml/2006/main">
+  <p:cSld>
+    <p:bg>
+      <p:bgRef idx="1001">
+        <a:schemeClr val="bg1"/>
+      </p:bgRef>
+    </p:bg>
+    <p:spTree>
+      <p:nvGrpSpPr>
+        <p:cNvPr id="1" name=""/>
+        <p:cNvGrpSpPr/>
+        <p:nvPr/>
+      </p:nvGrpSpPr>
+      <p:grpSpPr>
+        <a:xfrm>
+          <a:off x="0" y="0"/>
+          <a:ext cx="0" cy="0"/>
+          <a:chOff x="0" y="0"/>
+          <a:chExt cx="0" cy="0"/>
+        </a:xfrm>
+      </p:grpSpPr>
+      <p:sp>
+        <p:nvSpPr>
+          <p:cNvPr id="2" name="Title Placeholder 1"/>
+          <p:cNvSpPr>
+            <a:spLocks noGrp="1"/>
+          </p:cNvSpPr>
+          <p:nvPr>
+            <p:ph type="title"/>
+          </p:nvPr>
+        </p:nvSpPr>
+        <p:spPr>
+          <a:xfrm>
+            <a:off x="838200" y="365125"/>
+            <a:ext cx="10515600" cy="1325563"/>
+          </a:xfrm>
+          <a:prstGeom prst="rect">
+            <a:avLst/>
+          </a:prstGeom>
+        </p:spPr>
+        <p:txBody>
+          <a:bodyPr vert="horz" lIns="91440" tIns="45720" rIns="91440" bIns="45720" rtlCol="0" anchor="ctr">
+            <a:normAutofit/>
+          </a:bodyPr>
+          <a:lstStyle/>
+          <a:p>
+            <a:r>
+              <a:rPr lang="en-US" smtClean="0"/>
+              <a:t>Click to edit Master title style</a:t>
+            </a:r>
+            <a:endParaRPr lang="en-US" dirty="0"/>
+          </a:p>
+        </p:txBody>
+      </p:sp>
+      <p:sp>
+        <p:nvSpPr>
+          <p:cNvPr id="3" name="Text Placeholder 2"/>
+          <p:cNvSpPr>
+            <a:spLocks noGrp="1"/>
+          </p:cNvSpPr>
+          <p:nvPr>
+            <p:ph type="body" idx="1"/>
+          </p:nvPr>
+        </p:nvSpPr>
+        <p:spPr>
+          <a:xfrm>
+            <a:off x="838200" y="1825625"/>
+            <a:ext cx="10515600" cy="4351338"/>
+          </a:xfrm>
+          <a:prstGeom prst="rect">
+            <a:avLst/>
+          </a:prstGeom>
+        </p:spPr>
+        <p:txBody>
+          <a:bodyPr vert="horz" lIns="91440" tIns="45720" rIns="91440" bIns="45720" rtlCol="0">
+            <a:normAutofit/>
+          </a:bodyPr>
+          <a:lstStyle/>
+          <a:p>
+            <a:pPr lvl="0"/>
+            <a:r>
+              <a:rPr lang="en-US" smtClean="0"/>
+              <a:t>Click to edit Master text styles</a:t>
+            </a:r>
+          </a:p>
+          <a:p>
+            <a:pPr lvl="1"/>
+            <a:r>
+              <a:rPr lang="en-US" smtClean="0"/>
+              <a:t>Second level</a:t>
+            </a:r>
+          </a:p>
+          <a:p>
+            <a:pPr lvl="2"/>
+            <a:r>
+              <a:rPr lang="en-US" smtClean="0"/>
+              <a:t>Third level</a:t>
+            </a:r>
+          </a:p>
+          <a:p>
+            <a:pPr lvl="3"/>
+            <a:r>
+              <a:rPr lang="en-US" smtClean="0"/>
+              <a:t>Fourth level</a:t>
+            </a:r>
+          </a:p>
+          <a:p>
+            <a:pPr lvl="4"/>
+            <a:r>
+              <a:rPr lang="en-US" smtClean="0"/>
+              <a:t>Fifth level</a:t>
+            </a:r>
+            <a:endParaRPr lang="en-US" dirty="0"/>
+          </a:p>
+        </p:txBody>
+      </p:sp>
+      <p:sp>
+        <p:nvSpPr>
+          <p:cNvPr id="4" name="Date Placeholder 3"/>
+          <p:cNvSpPr>
+            <a:spLocks noGrp="1"/>
+          </p:cNvSpPr>
+          <p:nvPr>
+            <p:ph type="dt" sz="half" idx="2"/>
+          </p:nvPr>
+        </p:nvSpPr>
+        <p:spPr>
+          <a:xfrm>
+            <a:off x="838200" y="6356350"/>
+            <a:ext cx="2743200" cy="365125"/>
+          </a:xfrm>
+          <a:prstGeom prst="rect">
+            <a:avLst/>
+          </a:prstGeom>
+        </p:spPr>
+        <p:txBody>
+          <a:bodyPr vert="horz" lIns="91440" tIns="45720" rIns="91440" bIns="45720" rtlCol="0" anchor="ctr"/>
+          <a:lstStyle>
+            <a:lvl1pPr algn="l">
+              <a:defRPr sz="1200">
+                <a:solidFill>
+                  <a:schemeClr val="tx1">
+                    <a:tint val="75000"/>
+                  </a:schemeClr>
+                </a:solidFill>
+              </a:defRPr>
+            </a:lvl1pPr>
+          </a:lstStyle>
+          <a:p>
+            <a:fld id="{9A76E284-8BEB-CB4B-8DE1-A2CBA4136BE7}" type="datetimeFigureOut">
+              <a:rPr lang="en-US" smtClean="0"/>
+              <a:t>12/5/17</a:t>
+            </a:fld>
+            <a:endParaRPr lang="en-US"/>
+          </a:p>
+        </p:txBody>
+      </p:sp>
+      <p:sp>
+        <p:nvSpPr>
+          <p:cNvPr id="5" name="Footer Placeholder 4"/>
+          <p:cNvSpPr>
+            <a:spLocks noGrp="1"/>
+          </p:cNvSpPr>
+          <p:nvPr>
+            <p:ph type="ftr" sz="quarter" idx="3"/>
+          </p:nvPr>
+        </p:nvSpPr>
+        <p:spPr>
+          <a:xfrm>
+            <a:off x="4038600" y="6356350"/>
+            <a:ext cx="4114800" cy="365125"/>
+          </a:xfrm>
+          <a:prstGeom prst="rect">
+            <a:avLst/>
+          </a:prstGeom>
+        </p:spPr>
+        <p:txBody>
+          <a:bodyPr vert="horz" lIns="91440" tIns="45720" rIns="91440" bIns="45720" rtlCol="0" anchor="ctr"/>
+          <a:lstStyle>
+            <a:lvl1pPr algn="ctr">
+              <a:defRPr sz="1200">
+                <a:solidFill>
+                  <a:schemeClr val="tx1">
+                    <a:tint val="75000"/>
+                  </a:schemeClr>
+                </a:solidFill>
+              </a:defRPr>
+            </a:lvl1pPr>
+          </a:lstStyle>
+          <a:p>
+            <a:endParaRPr lang="en-US"/>
+          </a:p>
+        </p:txBody>
+      </p:sp>
+      <p:sp>
+        <p:nvSpPr>
+          <p:cNvPr id="6" name="Slide Number Placeholder 5"/>
+          <p:cNvSpPr>
+            <a:spLocks noGrp="1"/>
+          </p:cNvSpPr>
+          <p:nvPr>
+            <p:ph type="sldNum" sz="quarter" idx="4"/>
+          </p:nvPr>
+        </p:nvSpPr>
+        <p:spPr>
+          <a:xfrm>
+            <a:off x="8610600" y="6356350"/>
+            <a:ext cx="2743200" cy="365125"/>
+          </a:xfrm>
+          <a:prstGeom prst="rect">
+            <a:avLst/>
+          </a:prstGeom>
+        </p:spPr>
+        <p:txBody>
+          <a:bodyPr vert="horz" lIns="91440" tIns="45720" rIns="91440" bIns="45720" rtlCol="0" anchor="ctr"/>
+          <a:lstStyle>
+            <a:lvl1pPr algn="r">
+              <a:defRPr sz="1200">
+                <a:solidFill>
+                  <a:schemeClr val="tx1">
+                    <a:tint val="75000"/>
+                  </a:schemeClr>
+                </a:solidFill>
+              </a:defRPr>
+            </a:lvl1pPr>
+          </a:lstStyle>
+          <a:p>
+            <a:fld id="{16DBCD85-F2E2-B44B-8854-2F823B052582}" type="slidenum">
+              <a:rPr lang="en-US" smtClean="0"/>
+              <a:t>‹#›</a:t>
+            </a:fld>
+            <a:endParaRPr lang="en-US"/>
+          </a:p>
+        </p:txBody>
+      </p:sp>
+    </p:spTree>
+    <p:extLst>
+      <p:ext uri="{BB962C8B-B14F-4D97-AF65-F5344CB8AC3E}">
+        <p14:creationId xmlns:p14="http://schemas.microsoft.com/office/powerpoint/2010/main" val="445377286"/>
+      </p:ext>
+    </p:extLst>
+  </p:cSld>
+  <p:clrMap bg1="lt1" tx1="dk1" bg2="lt2" tx2="dk2" accent1="accent1" accent2="accent2" accent3="accent3" accent4="accent4" accent5="accent5" accent6="accent6" hlink="hlink" folHlink="folHlink"/>
+  <p:sldLayoutIdLst>
+    <p:sldLayoutId id="2147483673" r:id="rId1"/>
+    <p:sldLayoutId id="2147483674" r:id="rId2"/>
+    <p:sldLayoutId id="2147483675" r:id="rId3"/>
+    <p:sldLayoutId id="2147483676" r:id="rId4"/>
+    <p:sldLayoutId id="2147483677" r:id="rId5"/>
+    <p:sldLayoutId id="2147483678" r:id="rId6"/>
+    <p:sldLayoutId id="2147483679" r:id="rId7"/>
+    <p:sldLayoutId id="2147483680" r:id="rId8"/>
+    <p:sldLayoutId id="2147483681" r:id="rId9"/>
+    <p:sldLayoutId id="2147483682" r:id="rId10"/>
+    <p:sldLayoutId id="2147483683" r:id="rId11"/>
+  </p:sldLayoutIdLst>
+  <p:txStyles>
+    <p:titleStyle>
+      <a:lvl1pPr algn="l" defTabSz="914400" rtl="0" eaLnBrk="1" latinLnBrk="0" hangingPunct="1">
+        <a:lnSpc>
+          <a:spcPct val="90000"/>
+        </a:lnSpc>
+        <a:spcBef>
+          <a:spcPct val="0"/>
+        </a:spcBef>
+        <a:buNone/>
+        <a:defRPr sz="4400" kern="1200">
+          <a:solidFill>
+            <a:schemeClr val="tx1"/>
+          </a:solidFill>
+          <a:latin typeface="+mj-lt"/>
+          <a:ea typeface="+mj-ea"/>
+          <a:cs typeface="+mj-cs"/>
+        </a:defRPr>
+      </a:lvl1pPr>
+    </p:titleStyle>
+    <p:bodyStyle>
+      <a:lvl1pPr marL="228600" indent="-228600" algn="l" defTabSz="914400" rtl="0" eaLnBrk="1" latinLnBrk="0" hangingPunct="1">
+        <a:lnSpc>
+          <a:spcPct val="90000"/>
+        </a:lnSpc>
+        <a:spcBef>
+          <a:spcPts val="1000"/>
+        </a:spcBef>
+        <a:buFont typeface="Arial" panose="020B0604020202020204" pitchFamily="34" charset="0"/>
+        <a:buChar char="•"/>
+        <a:defRPr sz="2800" kern="1200">
+          <a:solidFill>
+            <a:schemeClr val="tx1"/>
+          </a:solidFill>
+          <a:latin typeface="+mn-lt"/>
+          <a:ea typeface="+mn-ea"/>
+          <a:cs typeface="+mn-cs"/>
+        </a:defRPr>
+      </a:lvl1pPr>
+      <a:lvl2pPr marL="685800" indent="-228600" algn="l" defTabSz="914400" rtl="0" eaLnBrk="1" latinLnBrk="0" hangingPunct="1">
+        <a:lnSpc>
+          <a:spcPct val="90000"/>
+        </a:lnSpc>
+        <a:spcBef>
+          <a:spcPts val="500"/>
+        </a:spcBef>
+        <a:buFont typeface="Arial" panose="020B0604020202020204" pitchFamily="34" charset="0"/>
+        <a:buChar char="•"/>
+        <a:defRPr sz="2400" kern="1200">
+          <a:solidFill>
+            <a:schemeClr val="tx1"/>
+          </a:solidFill>
+          <a:latin typeface="+mn-lt"/>
+          <a:ea typeface="+mn-ea"/>
+          <a:cs typeface="+mn-cs"/>
+        </a:defRPr>
+      </a:lvl2pPr>
+      <a:lvl3pPr marL="1143000" indent="-228600" algn="l" defTabSz="914400" rtl="0" eaLnBrk="1" latinLnBrk="0" hangingPunct="1">
+        <a:lnSpc>
+          <a:spcPct val="90000"/>
+        </a:lnSpc>
+        <a:spcBef>
+          <a:spcPts val="500"/>
+        </a:spcBef>
+        <a:buFont typeface="Arial" panose="020B0604020202020204" pitchFamily="34" charset="0"/>
+        <a:buChar char="•"/>
+        <a:defRPr sz="2000" kern="1200">
+          <a:solidFill>
+            <a:schemeClr val="tx1"/>
+          </a:solidFill>
+          <a:latin typeface="+mn-lt"/>
+          <a:ea typeface="+mn-ea"/>
+          <a:cs typeface="+mn-cs"/>
+        </a:defRPr>
+      </a:lvl3pPr>
+      <a:lvl4pPr marL="1600200" indent="-228600" algn="l" defTabSz="914400" rtl="0" eaLnBrk="1" latinLnBrk="0" hangingPunct="1">
+        <a:lnSpc>
+          <a:spcPct val="90000"/>
+        </a:lnSpc>
+        <a:spcBef>
+          <a:spcPts val="500"/>
+        </a:spcBef>
+        <a:buFont typeface="Arial" panose="020B0604020202020204" pitchFamily="34" charset="0"/>
+        <a:buChar char="•"/>
+        <a:defRPr sz="1800" kern="1200">
+          <a:solidFill>
+            <a:schemeClr val="tx1"/>
+          </a:solidFill>
+          <a:latin typeface="+mn-lt"/>
+          <a:ea typeface="+mn-ea"/>
+          <a:cs typeface="+mn-cs"/>
+        </a:defRPr>
+      </a:lvl4pPr>
+      <a:lvl5pPr marL="2057400" indent="-228600" algn="l" defTabSz="914400" rtl="0" eaLnBrk="1" latinLnBrk="0" hangingPunct="1">
+        <a:lnSpc>
+          <a:spcPct val="90000"/>
+        </a:lnSpc>
+        <a:spcBef>
+          <a:spcPts val="500"/>
+        </a:spcBef>
+        <a:buFont typeface="Arial" panose="020B0604020202020204" pitchFamily="34" charset="0"/>
+        <a:buChar char="•"/>
+        <a:defRPr sz="1800" kern="1200">
+          <a:solidFill>
+            <a:schemeClr val="tx1"/>
+          </a:solidFill>
+          <a:latin typeface="+mn-lt"/>
+          <a:ea typeface="+mn-ea"/>
+          <a:cs typeface="+mn-cs"/>
+        </a:defRPr>
+      </a:lvl5pPr>
+      <a:lvl6pPr marL="2514600" indent="-228600" algn="l" defTabSz="914400" rtl="0" eaLnBrk="1" latinLnBrk="0" hangingPunct="1">
+        <a:lnSpc>
+          <a:spcPct val="90000"/>
+        </a:lnSpc>
+        <a:spcBef>
+          <a:spcPts val="500"/>
+        </a:spcBef>
+        <a:buFont typeface="Arial" panose="020B0604020202020204" pitchFamily="34" charset="0"/>
+        <a:buChar char="•"/>
+        <a:defRPr sz="1800" kern="1200">
+          <a:solidFill>
+            <a:schemeClr val="tx1"/>
+          </a:solidFill>
+          <a:latin typeface="+mn-lt"/>
+          <a:ea typeface="+mn-ea"/>
+          <a:cs typeface="+mn-cs"/>
+        </a:defRPr>
+      </a:lvl6pPr>
+      <a:lvl7pPr marL="2971800" indent="-228600" algn="l" defTabSz="914400" rtl="0" eaLnBrk="1" latinLnBrk="0" hangingPunct="1">
+        <a:lnSpc>
+          <a:spcPct val="90000"/>
+        </a:lnSpc>
+        <a:spcBef>
+          <a:spcPts val="500"/>
+        </a:spcBef>
+        <a:buFont typeface="Arial" panose="020B0604020202020204" pitchFamily="34" charset="0"/>
+        <a:buChar char="•"/>
+        <a:defRPr sz="1800" kern="1200">
+          <a:solidFill>
+            <a:schemeClr val="tx1"/>
+          </a:solidFill>
+          <a:latin typeface="+mn-lt"/>
+          <a:ea typeface="+mn-ea"/>
+          <a:cs typeface="+mn-cs"/>
+        </a:defRPr>
+      </a:lvl7pPr>
+      <a:lvl8pPr marL="3429000" indent="-228600" algn="l" defTabSz="914400" rtl="0" eaLnBrk="1" latinLnBrk="0" hangingPunct="1">
+        <a:lnSpc>
+          <a:spcPct val="90000"/>
+        </a:lnSpc>
+        <a:spcBef>
+          <a:spcPts val="500"/>
+        </a:spcBef>
+        <a:buFont typeface="Arial" panose="020B0604020202020204" pitchFamily="34" charset="0"/>
+        <a:buChar char="•"/>
+        <a:defRPr sz="1800" kern="1200">
+          <a:solidFill>
+            <a:schemeClr val="tx1"/>
+          </a:solidFill>
+          <a:latin typeface="+mn-lt"/>
+          <a:ea typeface="+mn-ea"/>
+          <a:cs typeface="+mn-cs"/>
+        </a:defRPr>
+      </a:lvl8pPr>
+      <a:lvl9pPr marL="3886200" indent="-228600" algn="l" defTabSz="914400" rtl="0" eaLnBrk="1" latinLnBrk="0" hangingPunct="1">
+        <a:lnSpc>
+          <a:spcPct val="90000"/>
+        </a:lnSpc>
+        <a:spcBef>
+          <a:spcPts val="500"/>
+        </a:spcBef>
+        <a:buFont typeface="Arial" panose="020B0604020202020204" pitchFamily="34" charset="0"/>
         <a:buChar char="•"/>
         <a:defRPr sz="1800" kern="1200">
           <a:solidFill>
@@ -3374,11 +6114,7 @@
           <a:p>
             <a:r>
               <a:rPr lang="en-US" dirty="0" smtClean="0"/>
-              <a:t>December 2017 </a:t>
-            </a:r>
-            <a:r>
-              <a:rPr lang="en-US" dirty="0" smtClean="0"/>
-              <a:t>MPI Forum F2F</a:t>
+              <a:t>December 2017 MPI Forum F2F</a:t>
             </a:r>
             <a:endParaRPr lang="en-US" dirty="0"/>
           </a:p>
@@ -3933,7 +6669,7 @@
       </p:grpSpPr>
       <p:sp>
         <p:nvSpPr>
-          <p:cNvPr id="4" name="Title 3"/>
+          <p:cNvPr id="2" name="Title 1"/>
           <p:cNvSpPr>
             <a:spLocks noGrp="1"/>
           </p:cNvSpPr>
@@ -3948,7 +6684,42 @@
           <a:p>
             <a:r>
               <a:rPr lang="en-US" dirty="0" smtClean="0"/>
-              <a:t>Time to read the doc</a:t>
+              <a:t>What Changed Since Last Time?</a:t>
+            </a:r>
+            <a:endParaRPr lang="en-US" dirty="0"/>
+          </a:p>
+        </p:txBody>
+      </p:sp>
+      <p:sp>
+        <p:nvSpPr>
+          <p:cNvPr id="3" name="Content Placeholder 2"/>
+          <p:cNvSpPr>
+            <a:spLocks noGrp="1"/>
+          </p:cNvSpPr>
+          <p:nvPr>
+            <p:ph idx="1"/>
+          </p:nvPr>
+        </p:nvSpPr>
+        <p:spPr/>
+        <p:txBody>
+          <a:bodyPr/>
+          <a:lstStyle/>
+          <a:p>
+            <a:r>
+              <a:rPr lang="en-US" dirty="0" smtClean="0"/>
+              <a:t>Added new chapter for backward incompatibilities</a:t>
+            </a:r>
+          </a:p>
+          <a:p>
+            <a:r>
+              <a:rPr lang="en-US" dirty="0" smtClean="0"/>
+              <a:t>Rearrange text in Chapter 2</a:t>
+            </a:r>
+          </a:p>
+          <a:p>
+            <a:r>
+              <a:rPr lang="en-US" dirty="0" smtClean="0"/>
+              <a:t>Fix typos</a:t>
             </a:r>
             <a:endParaRPr lang="en-US" dirty="0"/>
           </a:p>
@@ -3957,7 +6728,7 @@
     </p:spTree>
     <p:extLst>
       <p:ext uri="{BB962C8B-B14F-4D97-AF65-F5344CB8AC3E}">
-        <p14:creationId xmlns:p14="http://schemas.microsoft.com/office/powerpoint/2010/main" val="1703251649"/>
+        <p14:creationId xmlns:p14="http://schemas.microsoft.com/office/powerpoint/2010/main" val="664934218"/>
       </p:ext>
     </p:extLst>
   </p:cSld>
@@ -4003,6 +6774,67 @@
         </p:nvSpPr>
         <p:spPr/>
         <p:txBody>
+          <a:bodyPr anchor="ctr"/>
+          <a:lstStyle/>
+          <a:p>
+            <a:pPr algn="ctr"/>
+            <a:r>
+              <a:rPr lang="en-US" dirty="0" smtClean="0"/>
+              <a:t>Demo</a:t>
+            </a:r>
+            <a:endParaRPr lang="en-US" dirty="0"/>
+          </a:p>
+        </p:txBody>
+      </p:sp>
+    </p:spTree>
+    <p:extLst>
+      <p:ext uri="{BB962C8B-B14F-4D97-AF65-F5344CB8AC3E}">
+        <p14:creationId xmlns:p14="http://schemas.microsoft.com/office/powerpoint/2010/main" val="339403063"/>
+      </p:ext>
+    </p:extLst>
+  </p:cSld>
+  <p:clrMapOvr>
+    <a:masterClrMapping/>
+  </p:clrMapOvr>
+  <p:timing>
+    <p:tnLst>
+      <p:par>
+        <p:cTn id="1" dur="indefinite" restart="never" nodeType="tmRoot"/>
+      </p:par>
+    </p:tnLst>
+  </p:timing>
+</p:sld>
+</file>
+
+<file path=ppt/slides/slide8.xml><?xml version="1.0" encoding="utf-8"?>
+<p:sld xmlns:a="http://schemas.openxmlformats.org/drawingml/2006/main" xmlns:r="http://schemas.openxmlformats.org/officeDocument/2006/relationships" xmlns:p="http://schemas.openxmlformats.org/presentationml/2006/main">
+  <p:cSld>
+    <p:spTree>
+      <p:nvGrpSpPr>
+        <p:cNvPr id="1" name=""/>
+        <p:cNvGrpSpPr/>
+        <p:nvPr/>
+      </p:nvGrpSpPr>
+      <p:grpSpPr>
+        <a:xfrm>
+          <a:off x="0" y="0"/>
+          <a:ext cx="0" cy="0"/>
+          <a:chOff x="0" y="0"/>
+          <a:chExt cx="0" cy="0"/>
+        </a:xfrm>
+      </p:grpSpPr>
+      <p:sp>
+        <p:nvSpPr>
+          <p:cNvPr id="4" name="Title 3"/>
+          <p:cNvSpPr>
+            <a:spLocks noGrp="1"/>
+          </p:cNvSpPr>
+          <p:nvPr>
+            <p:ph type="title"/>
+          </p:nvPr>
+        </p:nvSpPr>
+        <p:spPr/>
+        <p:txBody>
           <a:bodyPr/>
           <a:lstStyle/>
           <a:p>
@@ -4093,7 +6925,7 @@
 <file path=ppt/theme/theme1.xml><?xml version="1.0" encoding="utf-8"?>
 <a:theme xmlns:a="http://schemas.openxmlformats.org/drawingml/2006/main" name="Office Theme">
   <a:themeElements>
-    <a:clrScheme name="Office">
+    <a:clrScheme name="Office Theme">
       <a:dk1>
         <a:sysClr val="windowText" lastClr="000000"/>
       </a:dk1>
@@ -4131,14 +6963,14 @@
         <a:srgbClr val="954F72"/>
       </a:folHlink>
     </a:clrScheme>
-    <a:fontScheme name="Office">
+    <a:fontScheme name="Office Theme">
       <a:majorFont>
         <a:latin typeface="Calibri Light" panose="020F0302020204030204"/>
         <a:ea typeface=""/>
         <a:cs typeface=""/>
-        <a:font script="Jpan" typeface="Yu Gothic Light"/>
+        <a:font script="Jpan" typeface="游ゴシック Light"/>
         <a:font script="Hang" typeface="맑은 고딕"/>
-        <a:font script="Hans" typeface="DengXian Light"/>
+        <a:font script="Hans" typeface="等线 Light"/>
         <a:font script="Hant" typeface="新細明體"/>
         <a:font script="Arab" typeface="Times New Roman"/>
         <a:font script="Hebr" typeface="Times New Roman"/>
@@ -4171,9 +7003,9 @@
         <a:latin typeface="Calibri" panose="020F0502020204030204"/>
         <a:ea typeface=""/>
         <a:cs typeface=""/>
-        <a:font script="Jpan" typeface="Yu Gothic"/>
+        <a:font script="Jpan" typeface="游ゴシック"/>
         <a:font script="Hang" typeface="맑은 고딕"/>
-        <a:font script="Hans" typeface="DengXian"/>
+        <a:font script="Hans" typeface="等线"/>
         <a:font script="Hant" typeface="新細明體"/>
         <a:font script="Arab" typeface="Arial"/>
         <a:font script="Hebr" typeface="Arial"/>
@@ -4203,7 +7035,268 @@
         <a:font script="Geor" typeface="Sylfaen"/>
       </a:minorFont>
     </a:fontScheme>
-    <a:fmtScheme name="Office">
+    <a:fmtScheme name="Office Theme">
+      <a:fillStyleLst>
+        <a:solidFill>
+          <a:schemeClr val="phClr"/>
+        </a:solidFill>
+        <a:gradFill rotWithShape="1">
+          <a:gsLst>
+            <a:gs pos="0">
+              <a:schemeClr val="phClr">
+                <a:lumMod val="110000"/>
+                <a:satMod val="105000"/>
+                <a:tint val="67000"/>
+              </a:schemeClr>
+            </a:gs>
+            <a:gs pos="50000">
+              <a:schemeClr val="phClr">
+                <a:lumMod val="105000"/>
+                <a:satMod val="103000"/>
+                <a:tint val="73000"/>
+              </a:schemeClr>
+            </a:gs>
+            <a:gs pos="100000">
+              <a:schemeClr val="phClr">
+                <a:lumMod val="105000"/>
+                <a:satMod val="109000"/>
+                <a:tint val="81000"/>
+              </a:schemeClr>
+            </a:gs>
+          </a:gsLst>
+          <a:lin ang="5400000" scaled="0"/>
+        </a:gradFill>
+        <a:gradFill rotWithShape="1">
+          <a:gsLst>
+            <a:gs pos="0">
+              <a:schemeClr val="phClr">
+                <a:satMod val="103000"/>
+                <a:lumMod val="102000"/>
+                <a:tint val="94000"/>
+              </a:schemeClr>
+            </a:gs>
+            <a:gs pos="50000">
+              <a:schemeClr val="phClr">
+                <a:satMod val="110000"/>
+                <a:lumMod val="100000"/>
+                <a:shade val="100000"/>
+              </a:schemeClr>
+            </a:gs>
+            <a:gs pos="100000">
+              <a:schemeClr val="phClr">
+                <a:lumMod val="99000"/>
+                <a:satMod val="120000"/>
+                <a:shade val="78000"/>
+              </a:schemeClr>
+            </a:gs>
+          </a:gsLst>
+          <a:lin ang="5400000" scaled="0"/>
+        </a:gradFill>
+      </a:fillStyleLst>
+      <a:lnStyleLst>
+        <a:ln w="6350" cap="flat" cmpd="sng" algn="ctr">
+          <a:solidFill>
+            <a:schemeClr val="phClr"/>
+          </a:solidFill>
+          <a:prstDash val="solid"/>
+          <a:miter lim="800000"/>
+        </a:ln>
+        <a:ln w="12700" cap="flat" cmpd="sng" algn="ctr">
+          <a:solidFill>
+            <a:schemeClr val="phClr"/>
+          </a:solidFill>
+          <a:prstDash val="solid"/>
+          <a:miter lim="800000"/>
+        </a:ln>
+        <a:ln w="19050" cap="flat" cmpd="sng" algn="ctr">
+          <a:solidFill>
+            <a:schemeClr val="phClr"/>
+          </a:solidFill>
+          <a:prstDash val="solid"/>
+          <a:miter lim="800000"/>
+        </a:ln>
+      </a:lnStyleLst>
+      <a:effectStyleLst>
+        <a:effectStyle>
+          <a:effectLst/>
+        </a:effectStyle>
+        <a:effectStyle>
+          <a:effectLst/>
+        </a:effectStyle>
+        <a:effectStyle>
+          <a:effectLst>
+            <a:outerShdw blurRad="57150" dist="19050" dir="5400000" algn="ctr" rotWithShape="0">
+              <a:srgbClr val="000000">
+                <a:alpha val="63000"/>
+              </a:srgbClr>
+            </a:outerShdw>
+          </a:effectLst>
+        </a:effectStyle>
+      </a:effectStyleLst>
+      <a:bgFillStyleLst>
+        <a:solidFill>
+          <a:schemeClr val="phClr"/>
+        </a:solidFill>
+        <a:solidFill>
+          <a:schemeClr val="phClr">
+            <a:tint val="95000"/>
+            <a:satMod val="170000"/>
+          </a:schemeClr>
+        </a:solidFill>
+        <a:gradFill rotWithShape="1">
+          <a:gsLst>
+            <a:gs pos="0">
+              <a:schemeClr val="phClr">
+                <a:tint val="93000"/>
+                <a:satMod val="150000"/>
+                <a:shade val="98000"/>
+                <a:lumMod val="102000"/>
+              </a:schemeClr>
+            </a:gs>
+            <a:gs pos="50000">
+              <a:schemeClr val="phClr">
+                <a:tint val="98000"/>
+                <a:satMod val="130000"/>
+                <a:shade val="90000"/>
+                <a:lumMod val="103000"/>
+              </a:schemeClr>
+            </a:gs>
+            <a:gs pos="100000">
+              <a:schemeClr val="phClr">
+                <a:shade val="63000"/>
+                <a:satMod val="120000"/>
+              </a:schemeClr>
+            </a:gs>
+          </a:gsLst>
+          <a:lin ang="5400000" scaled="0"/>
+        </a:gradFill>
+      </a:bgFillStyleLst>
+    </a:fmtScheme>
+  </a:themeElements>
+  <a:objectDefaults/>
+  <a:extraClrSchemeLst/>
+  <a:extLst>
+    <a:ext uri="{05A4C25C-085E-4340-85A3-A5531E510DB2}">
+      <thm15:themeFamily xmlns:thm15="http://schemas.microsoft.com/office/thememl/2012/main" name="Office Theme" id="{62F939B6-93AF-4DB8-9C6B-D6C7DFDC589F}" vid="{4F46216B-77A9-411A-B9D3-5023FCB70208}"/>
+    </a:ext>
+  </a:extLst>
+</a:theme>
+</file>
+
+<file path=ppt/theme/theme2.xml><?xml version="1.0" encoding="utf-8"?>
+<a:theme xmlns:a="http://schemas.openxmlformats.org/drawingml/2006/main" name="1_Office Theme">
+  <a:themeElements>
+    <a:clrScheme name="Office Theme">
+      <a:dk1>
+        <a:sysClr val="windowText" lastClr="000000"/>
+      </a:dk1>
+      <a:lt1>
+        <a:sysClr val="window" lastClr="FFFFFF"/>
+      </a:lt1>
+      <a:dk2>
+        <a:srgbClr val="44546A"/>
+      </a:dk2>
+      <a:lt2>
+        <a:srgbClr val="E7E6E6"/>
+      </a:lt2>
+      <a:accent1>
+        <a:srgbClr val="4472C4"/>
+      </a:accent1>
+      <a:accent2>
+        <a:srgbClr val="ED7D31"/>
+      </a:accent2>
+      <a:accent3>
+        <a:srgbClr val="A5A5A5"/>
+      </a:accent3>
+      <a:accent4>
+        <a:srgbClr val="FFC000"/>
+      </a:accent4>
+      <a:accent5>
+        <a:srgbClr val="5B9BD5"/>
+      </a:accent5>
+      <a:accent6>
+        <a:srgbClr val="70AD47"/>
+      </a:accent6>
+      <a:hlink>
+        <a:srgbClr val="0563C1"/>
+      </a:hlink>
+      <a:folHlink>
+        <a:srgbClr val="954F72"/>
+      </a:folHlink>
+    </a:clrScheme>
+    <a:fontScheme name="Office Theme">
+      <a:majorFont>
+        <a:latin typeface="Calibri Light" panose="020F0302020204030204"/>
+        <a:ea typeface=""/>
+        <a:cs typeface=""/>
+        <a:font script="Jpan" typeface="游ゴシック Light"/>
+        <a:font script="Hang" typeface="맑은 고딕"/>
+        <a:font script="Hans" typeface="等线 Light"/>
+        <a:font script="Hant" typeface="新細明體"/>
+        <a:font script="Arab" typeface="Times New Roman"/>
+        <a:font script="Hebr" typeface="Times New Roman"/>
+        <a:font script="Thai" typeface="Angsana New"/>
+        <a:font script="Ethi" typeface="Nyala"/>
+        <a:font script="Beng" typeface="Vrinda"/>
+        <a:font script="Gujr" typeface="Shruti"/>
+        <a:font script="Khmr" typeface="MoolBoran"/>
+        <a:font script="Knda" typeface="Tunga"/>
+        <a:font script="Guru" typeface="Raavi"/>
+        <a:font script="Cans" typeface="Euphemia"/>
+        <a:font script="Cher" typeface="Plantagenet Cherokee"/>
+        <a:font script="Yiii" typeface="Microsoft Yi Baiti"/>
+        <a:font script="Tibt" typeface="Microsoft Himalaya"/>
+        <a:font script="Thaa" typeface="MV Boli"/>
+        <a:font script="Deva" typeface="Mangal"/>
+        <a:font script="Telu" typeface="Gautami"/>
+        <a:font script="Taml" typeface="Latha"/>
+        <a:font script="Syrc" typeface="Estrangelo Edessa"/>
+        <a:font script="Orya" typeface="Kalinga"/>
+        <a:font script="Mlym" typeface="Kartika"/>
+        <a:font script="Laoo" typeface="DokChampa"/>
+        <a:font script="Sinh" typeface="Iskoola Pota"/>
+        <a:font script="Mong" typeface="Mongolian Baiti"/>
+        <a:font script="Viet" typeface="Times New Roman"/>
+        <a:font script="Uigh" typeface="Microsoft Uighur"/>
+        <a:font script="Geor" typeface="Sylfaen"/>
+      </a:majorFont>
+      <a:minorFont>
+        <a:latin typeface="Calibri" panose="020F0502020204030204"/>
+        <a:ea typeface=""/>
+        <a:cs typeface=""/>
+        <a:font script="Jpan" typeface="游ゴシック"/>
+        <a:font script="Hang" typeface="맑은 고딕"/>
+        <a:font script="Hans" typeface="等线"/>
+        <a:font script="Hant" typeface="新細明體"/>
+        <a:font script="Arab" typeface="Arial"/>
+        <a:font script="Hebr" typeface="Arial"/>
+        <a:font script="Thai" typeface="Cordia New"/>
+        <a:font script="Ethi" typeface="Nyala"/>
+        <a:font script="Beng" typeface="Vrinda"/>
+        <a:font script="Gujr" typeface="Shruti"/>
+        <a:font script="Khmr" typeface="DaunPenh"/>
+        <a:font script="Knda" typeface="Tunga"/>
+        <a:font script="Guru" typeface="Raavi"/>
+        <a:font script="Cans" typeface="Euphemia"/>
+        <a:font script="Cher" typeface="Plantagenet Cherokee"/>
+        <a:font script="Yiii" typeface="Microsoft Yi Baiti"/>
+        <a:font script="Tibt" typeface="Microsoft Himalaya"/>
+        <a:font script="Thaa" typeface="MV Boli"/>
+        <a:font script="Deva" typeface="Mangal"/>
+        <a:font script="Telu" typeface="Gautami"/>
+        <a:font script="Taml" typeface="Latha"/>
+        <a:font script="Syrc" typeface="Estrangelo Edessa"/>
+        <a:font script="Orya" typeface="Kalinga"/>
+        <a:font script="Mlym" typeface="Kartika"/>
+        <a:font script="Laoo" typeface="DokChampa"/>
+        <a:font script="Sinh" typeface="Iskoola Pota"/>
+        <a:font script="Mong" typeface="Mongolian Baiti"/>
+        <a:font script="Viet" typeface="Arial"/>
+        <a:font script="Uigh" typeface="Microsoft Uighur"/>
+        <a:font script="Geor" typeface="Sylfaen"/>
+      </a:minorFont>
+    </a:fontScheme>
+    <a:fmtScheme name="Office Theme">
       <a:fillStyleLst>
         <a:solidFill>
           <a:schemeClr val="phClr"/>
@@ -4351,7 +7444,7 @@
 </a:theme>
 </file>
 
-<file path=ppt/theme/theme2.xml><?xml version="1.0" encoding="utf-8"?>
+<file path=ppt/theme/theme3.xml><?xml version="1.0" encoding="utf-8"?>
 <a:theme xmlns:a="http://schemas.openxmlformats.org/drawingml/2006/main" name="Office Theme">
   <a:themeElements>
     <a:clrScheme name="Office">
